--- a/Presentation/2019_08_15_RShinyPresentation.pptx
+++ b/Presentation/2019_08_15_RShinyPresentation.pptx
@@ -10,16 +10,23 @@
     <p:sldId id="261" r:id="rId4"/>
     <p:sldId id="258" r:id="rId5"/>
     <p:sldId id="259" r:id="rId6"/>
-    <p:sldId id="260" r:id="rId7"/>
-    <p:sldId id="262" r:id="rId8"/>
-    <p:sldId id="263" r:id="rId9"/>
-    <p:sldId id="264" r:id="rId10"/>
-    <p:sldId id="268" r:id="rId11"/>
-    <p:sldId id="265" r:id="rId12"/>
-    <p:sldId id="266" r:id="rId13"/>
-    <p:sldId id="267" r:id="rId14"/>
-    <p:sldId id="270" r:id="rId15"/>
-    <p:sldId id="271" r:id="rId16"/>
+    <p:sldId id="278" r:id="rId7"/>
+    <p:sldId id="260" r:id="rId8"/>
+    <p:sldId id="262" r:id="rId9"/>
+    <p:sldId id="263" r:id="rId10"/>
+    <p:sldId id="264" r:id="rId11"/>
+    <p:sldId id="268" r:id="rId12"/>
+    <p:sldId id="277" r:id="rId13"/>
+    <p:sldId id="265" r:id="rId14"/>
+    <p:sldId id="266" r:id="rId15"/>
+    <p:sldId id="267" r:id="rId16"/>
+    <p:sldId id="270" r:id="rId17"/>
+    <p:sldId id="271" r:id="rId18"/>
+    <p:sldId id="272" r:id="rId19"/>
+    <p:sldId id="273" r:id="rId20"/>
+    <p:sldId id="274" r:id="rId21"/>
+    <p:sldId id="275" r:id="rId22"/>
+    <p:sldId id="276" r:id="rId23"/>
   </p:sldIdLst>
   <p:sldSz cx="12192000" cy="6858000"/>
   <p:notesSz cx="6858000" cy="9144000"/>
@@ -4241,7 +4248,7 @@
         <a:lstStyle/>
         <a:p>
           <a:r>
-            <a:rPr lang="en-US"/>
+            <a:rPr lang="en-US" dirty="0"/>
             <a:t>Example picture of code. (EPOC)</a:t>
           </a:r>
         </a:p>
@@ -4269,7 +4276,7 @@
         </a:p>
       </dgm:t>
     </dgm:pt>
-    <dgm:pt modelId="{752022E6-83A0-49B1-9B2C-E200F83B401D}">
+    <dgm:pt modelId="{56AD17EC-1F21-480E-B484-F4D85417AC21}">
       <dgm:prSet/>
       <dgm:spPr/>
       <dgm:t>
@@ -4277,13 +4284,19 @@
         <a:lstStyle/>
         <a:p>
           <a:r>
-            <a:rPr lang="en-US"/>
-            <a:t>In the header element of your main app body.</a:t>
+            <a:rPr lang="en-US" dirty="0">
+              <a:solidFill>
+                <a:schemeClr val="bg1">
+                  <a:lumMod val="75000"/>
+                </a:schemeClr>
+              </a:solidFill>
+            </a:rPr>
+            <a:t>EPOC – Tailwind CSS</a:t>
           </a:r>
         </a:p>
       </dgm:t>
     </dgm:pt>
-    <dgm:pt modelId="{F3225AA5-B550-42A4-BDF6-C7109D7F2E1E}" type="parTrans" cxnId="{0E24946E-AAE6-4B1E-BEFA-1BE9ED40C801}">
+    <dgm:pt modelId="{94A612FB-99B8-47B3-A603-A086FAA78510}" type="parTrans" cxnId="{094D98E6-9BDD-410F-8F1E-CCD6857581DA}">
       <dgm:prSet/>
       <dgm:spPr/>
       <dgm:t>
@@ -4294,7 +4307,49 @@
         </a:p>
       </dgm:t>
     </dgm:pt>
+    <dgm:pt modelId="{D7B00741-62B3-4B18-870F-36EE37689D5B}" type="sibTrans" cxnId="{094D98E6-9BDD-410F-8F1E-CCD6857581DA}">
+      <dgm:prSet/>
+      <dgm:spPr/>
+      <dgm:t>
+        <a:bodyPr/>
+        <a:lstStyle/>
+        <a:p>
+          <a:endParaRPr lang="en-US"/>
+        </a:p>
+      </dgm:t>
+    </dgm:pt>
+    <dgm:pt modelId="{752022E6-83A0-49B1-9B2C-E200F83B401D}">
+      <dgm:prSet/>
+      <dgm:spPr/>
+      <dgm:t>
+        <a:bodyPr/>
+        <a:lstStyle/>
+        <a:p>
+          <a:r>
+            <a:rPr lang="en-US" dirty="0">
+              <a:solidFill>
+                <a:schemeClr val="bg1">
+                  <a:lumMod val="75000"/>
+                </a:schemeClr>
+              </a:solidFill>
+            </a:rPr>
+            <a:t>In the header element of your main app body.</a:t>
+          </a:r>
+        </a:p>
+      </dgm:t>
+    </dgm:pt>
     <dgm:pt modelId="{BE3005E1-AEE5-4A7C-93D3-B3EC08874D29}" type="sibTrans" cxnId="{0E24946E-AAE6-4B1E-BEFA-1BE9ED40C801}">
+      <dgm:prSet/>
+      <dgm:spPr/>
+      <dgm:t>
+        <a:bodyPr/>
+        <a:lstStyle/>
+        <a:p>
+          <a:endParaRPr lang="en-US"/>
+        </a:p>
+      </dgm:t>
+    </dgm:pt>
+    <dgm:pt modelId="{F3225AA5-B550-42A4-BDF6-C7109D7F2E1E}" type="parTrans" cxnId="{0E24946E-AAE6-4B1E-BEFA-1BE9ED40C801}">
       <dgm:prSet/>
       <dgm:spPr/>
       <dgm:t>
@@ -4313,13 +4368,19 @@
         <a:lstStyle/>
         <a:p>
           <a:r>
-            <a:rPr lang="en-US"/>
+            <a:rPr lang="en-US" dirty="0">
+              <a:solidFill>
+                <a:schemeClr val="bg1">
+                  <a:lumMod val="75000"/>
+                </a:schemeClr>
+              </a:solidFill>
+            </a:rPr>
             <a:t>EPOC</a:t>
           </a:r>
         </a:p>
       </dgm:t>
     </dgm:pt>
-    <dgm:pt modelId="{557E631B-7D37-4614-884E-D4DBE228C1CF}" type="parTrans" cxnId="{57F14F7C-5286-4761-939A-E92B5AA84872}">
+    <dgm:pt modelId="{761E0E75-4080-4189-B0B7-D71C95CA9F86}" type="sibTrans" cxnId="{57F14F7C-5286-4761-939A-E92B5AA84872}">
       <dgm:prSet/>
       <dgm:spPr/>
       <dgm:t>
@@ -4330,7 +4391,7 @@
         </a:p>
       </dgm:t>
     </dgm:pt>
-    <dgm:pt modelId="{761E0E75-4080-4189-B0B7-D71C95CA9F86}" type="sibTrans" cxnId="{57F14F7C-5286-4761-939A-E92B5AA84872}">
+    <dgm:pt modelId="{557E631B-7D37-4614-884E-D4DBE228C1CF}" type="parTrans" cxnId="{57F14F7C-5286-4761-939A-E92B5AA84872}">
       <dgm:prSet/>
       <dgm:spPr/>
       <dgm:t>
@@ -4349,13 +4410,39 @@
         <a:lstStyle/>
         <a:p>
           <a:r>
-            <a:rPr lang="en-US"/>
-            <a:t>Personal and seperate stylesheet and reference.</a:t>
+            <a:rPr lang="en-US" dirty="0">
+              <a:solidFill>
+                <a:schemeClr val="bg1">
+                  <a:lumMod val="75000"/>
+                </a:schemeClr>
+              </a:solidFill>
+            </a:rPr>
+            <a:t>Personal and </a:t>
+          </a:r>
+          <a:r>
+            <a:rPr lang="en-US" dirty="0" err="1">
+              <a:solidFill>
+                <a:schemeClr val="bg1">
+                  <a:lumMod val="75000"/>
+                </a:schemeClr>
+              </a:solidFill>
+            </a:rPr>
+            <a:t>seperate</a:t>
+          </a:r>
+          <a:r>
+            <a:rPr lang="en-US" dirty="0">
+              <a:solidFill>
+                <a:schemeClr val="bg1">
+                  <a:lumMod val="75000"/>
+                </a:schemeClr>
+              </a:solidFill>
+            </a:rPr>
+            <a:t> stylesheet and reference.</a:t>
           </a:r>
         </a:p>
       </dgm:t>
     </dgm:pt>
-    <dgm:pt modelId="{71E5703F-D59F-472B-8F56-CC4643CF625E}" type="parTrans" cxnId="{E2455645-4817-4180-8332-E316A014A8EF}">
+    <dgm:pt modelId="{E2ED9D28-11DD-485F-85D0-933487213961}" type="sibTrans" cxnId="{E2455645-4817-4180-8332-E316A014A8EF}">
       <dgm:prSet/>
       <dgm:spPr/>
       <dgm:t>
@@ -4366,7 +4453,7 @@
         </a:p>
       </dgm:t>
     </dgm:pt>
-    <dgm:pt modelId="{E2ED9D28-11DD-485F-85D0-933487213961}" type="sibTrans" cxnId="{E2455645-4817-4180-8332-E316A014A8EF}">
+    <dgm:pt modelId="{71E5703F-D59F-472B-8F56-CC4643CF625E}" type="parTrans" cxnId="{E2455645-4817-4180-8332-E316A014A8EF}">
       <dgm:prSet/>
       <dgm:spPr/>
       <dgm:t>
@@ -4385,13 +4472,19 @@
         <a:lstStyle/>
         <a:p>
           <a:r>
-            <a:rPr lang="en-US"/>
+            <a:rPr lang="en-US" dirty="0">
+              <a:solidFill>
+                <a:schemeClr val="bg1">
+                  <a:lumMod val="75000"/>
+                </a:schemeClr>
+              </a:solidFill>
+            </a:rPr>
             <a:t>EPOC</a:t>
           </a:r>
         </a:p>
       </dgm:t>
     </dgm:pt>
-    <dgm:pt modelId="{8DE0286F-9E7D-4F97-ACF8-80467948EBF3}" type="parTrans" cxnId="{2EDB2489-EA84-42C5-8068-AA201E3CB323}">
+    <dgm:pt modelId="{F9845939-0F07-4F56-856D-0D9E75A64C82}" type="sibTrans" cxnId="{2EDB2489-EA84-42C5-8068-AA201E3CB323}">
       <dgm:prSet/>
       <dgm:spPr/>
       <dgm:t>
@@ -4402,7 +4495,7 @@
         </a:p>
       </dgm:t>
     </dgm:pt>
-    <dgm:pt modelId="{F9845939-0F07-4F56-856D-0D9E75A64C82}" type="sibTrans" cxnId="{2EDB2489-EA84-42C5-8068-AA201E3CB323}">
+    <dgm:pt modelId="{8DE0286F-9E7D-4F97-ACF8-80467948EBF3}" type="parTrans" cxnId="{2EDB2489-EA84-42C5-8068-AA201E3CB323}">
       <dgm:prSet/>
       <dgm:spPr/>
       <dgm:t>
@@ -4421,20 +4514,15 @@
         <a:lstStyle/>
         <a:p>
           <a:r>
-            <a:rPr lang="en-US"/>
+            <a:rPr lang="en-US" dirty="0">
+              <a:solidFill>
+                <a:schemeClr val="bg1">
+                  <a:lumMod val="75000"/>
+                </a:schemeClr>
+              </a:solidFill>
+            </a:rPr>
             <a:t>External Specialized Stylesheet</a:t>
           </a:r>
-        </a:p>
-      </dgm:t>
-    </dgm:pt>
-    <dgm:pt modelId="{FF2C72D1-5839-434E-92AE-E353436D2B4E}" type="parTrans" cxnId="{F8FB6493-3328-496E-BD46-2900F9327BDD}">
-      <dgm:prSet/>
-      <dgm:spPr/>
-      <dgm:t>
-        <a:bodyPr/>
-        <a:lstStyle/>
-        <a:p>
-          <a:endParaRPr lang="en-US"/>
         </a:p>
       </dgm:t>
     </dgm:pt>
@@ -4449,32 +4537,7 @@
         </a:p>
       </dgm:t>
     </dgm:pt>
-    <dgm:pt modelId="{56AD17EC-1F21-480E-B484-F4D85417AC21}">
-      <dgm:prSet/>
-      <dgm:spPr/>
-      <dgm:t>
-        <a:bodyPr/>
-        <a:lstStyle/>
-        <a:p>
-          <a:r>
-            <a:rPr lang="en-US"/>
-            <a:t>EPOC – Tailwind CSS</a:t>
-          </a:r>
-        </a:p>
-      </dgm:t>
-    </dgm:pt>
-    <dgm:pt modelId="{94A612FB-99B8-47B3-A603-A086FAA78510}" type="parTrans" cxnId="{094D98E6-9BDD-410F-8F1E-CCD6857581DA}">
-      <dgm:prSet/>
-      <dgm:spPr/>
-      <dgm:t>
-        <a:bodyPr/>
-        <a:lstStyle/>
-        <a:p>
-          <a:endParaRPr lang="en-US"/>
-        </a:p>
-      </dgm:t>
-    </dgm:pt>
-    <dgm:pt modelId="{D7B00741-62B3-4B18-870F-36EE37689D5B}" type="sibTrans" cxnId="{094D98E6-9BDD-410F-8F1E-CCD6857581DA}">
+    <dgm:pt modelId="{FF2C72D1-5839-434E-92AE-E353436D2B4E}" type="parTrans" cxnId="{F8FB6493-3328-496E-BD46-2900F9327BDD}">
       <dgm:prSet/>
       <dgm:spPr/>
       <dgm:t>
@@ -4666,7 +4729,13 @@
         <a:lstStyle/>
         <a:p>
           <a:r>
-            <a:rPr lang="en-US"/>
+            <a:rPr lang="en-US" dirty="0">
+              <a:solidFill>
+                <a:schemeClr val="bg1">
+                  <a:lumMod val="75000"/>
+                </a:schemeClr>
+              </a:solidFill>
+            </a:rPr>
             <a:t>Inside specific elements of the app</a:t>
           </a:r>
         </a:p>
@@ -4694,42 +4763,6 @@
         </a:p>
       </dgm:t>
     </dgm:pt>
-    <dgm:pt modelId="{7AAA4735-3EA7-45FA-891D-B55C6194075A}">
-      <dgm:prSet/>
-      <dgm:spPr/>
-      <dgm:t>
-        <a:bodyPr/>
-        <a:lstStyle/>
-        <a:p>
-          <a:r>
-            <a:rPr lang="en-US"/>
-            <a:t>Example picture of code. (EPOC)</a:t>
-          </a:r>
-        </a:p>
-      </dgm:t>
-    </dgm:pt>
-    <dgm:pt modelId="{56A58701-EFF4-4B4C-8EB7-CAC94B876C37}" type="parTrans" cxnId="{5C5FEF41-2811-42B3-ABAF-D7ED4B425917}">
-      <dgm:prSet/>
-      <dgm:spPr/>
-      <dgm:t>
-        <a:bodyPr/>
-        <a:lstStyle/>
-        <a:p>
-          <a:endParaRPr lang="en-US"/>
-        </a:p>
-      </dgm:t>
-    </dgm:pt>
-    <dgm:pt modelId="{3B2D2773-1122-41C3-B451-138CA84F3490}" type="sibTrans" cxnId="{5C5FEF41-2811-42B3-ABAF-D7ED4B425917}">
-      <dgm:prSet/>
-      <dgm:spPr/>
-      <dgm:t>
-        <a:bodyPr/>
-        <a:lstStyle/>
-        <a:p>
-          <a:endParaRPr lang="en-US"/>
-        </a:p>
-      </dgm:t>
-    </dgm:pt>
     <dgm:pt modelId="{752022E6-83A0-49B1-9B2C-E200F83B401D}">
       <dgm:prSet/>
       <dgm:spPr/>
@@ -4738,7 +4771,7 @@
         <a:lstStyle/>
         <a:p>
           <a:r>
-            <a:rPr lang="en-US"/>
+            <a:rPr lang="en-US" dirty="0"/>
             <a:t>In the header element of your main app body.</a:t>
           </a:r>
         </a:p>
@@ -4774,7 +4807,7 @@
         <a:lstStyle/>
         <a:p>
           <a:r>
-            <a:rPr lang="en-US"/>
+            <a:rPr lang="en-US" dirty="0"/>
             <a:t>EPOC</a:t>
           </a:r>
         </a:p>
@@ -4810,13 +4843,39 @@
         <a:lstStyle/>
         <a:p>
           <a:r>
-            <a:rPr lang="en-US"/>
-            <a:t>Personal and seperate stylesheet and reference.</a:t>
+            <a:rPr lang="en-US" dirty="0">
+              <a:solidFill>
+                <a:schemeClr val="bg1">
+                  <a:lumMod val="75000"/>
+                </a:schemeClr>
+              </a:solidFill>
+            </a:rPr>
+            <a:t>Personal and </a:t>
+          </a:r>
+          <a:r>
+            <a:rPr lang="en-US" dirty="0" err="1">
+              <a:solidFill>
+                <a:schemeClr val="bg1">
+                  <a:lumMod val="75000"/>
+                </a:schemeClr>
+              </a:solidFill>
+            </a:rPr>
+            <a:t>seperate</a:t>
+          </a:r>
+          <a:r>
+            <a:rPr lang="en-US" dirty="0">
+              <a:solidFill>
+                <a:schemeClr val="bg1">
+                  <a:lumMod val="75000"/>
+                </a:schemeClr>
+              </a:solidFill>
+            </a:rPr>
+            <a:t> stylesheet and reference.</a:t>
           </a:r>
         </a:p>
       </dgm:t>
     </dgm:pt>
-    <dgm:pt modelId="{71E5703F-D59F-472B-8F56-CC4643CF625E}" type="parTrans" cxnId="{E2455645-4817-4180-8332-E316A014A8EF}">
+    <dgm:pt modelId="{E2ED9D28-11DD-485F-85D0-933487213961}" type="sibTrans" cxnId="{E2455645-4817-4180-8332-E316A014A8EF}">
       <dgm:prSet/>
       <dgm:spPr/>
       <dgm:t>
@@ -4827,7 +4886,7 @@
         </a:p>
       </dgm:t>
     </dgm:pt>
-    <dgm:pt modelId="{E2ED9D28-11DD-485F-85D0-933487213961}" type="sibTrans" cxnId="{E2455645-4817-4180-8332-E316A014A8EF}">
+    <dgm:pt modelId="{71E5703F-D59F-472B-8F56-CC4643CF625E}" type="parTrans" cxnId="{E2455645-4817-4180-8332-E316A014A8EF}">
       <dgm:prSet/>
       <dgm:spPr/>
       <dgm:t>
@@ -4846,13 +4905,19 @@
         <a:lstStyle/>
         <a:p>
           <a:r>
-            <a:rPr lang="en-US"/>
+            <a:rPr lang="en-US" dirty="0">
+              <a:solidFill>
+                <a:schemeClr val="bg1">
+                  <a:lumMod val="75000"/>
+                </a:schemeClr>
+              </a:solidFill>
+            </a:rPr>
             <a:t>EPOC</a:t>
           </a:r>
         </a:p>
       </dgm:t>
     </dgm:pt>
-    <dgm:pt modelId="{8DE0286F-9E7D-4F97-ACF8-80467948EBF3}" type="parTrans" cxnId="{2EDB2489-EA84-42C5-8068-AA201E3CB323}">
+    <dgm:pt modelId="{F9845939-0F07-4F56-856D-0D9E75A64C82}" type="sibTrans" cxnId="{2EDB2489-EA84-42C5-8068-AA201E3CB323}">
       <dgm:prSet/>
       <dgm:spPr/>
       <dgm:t>
@@ -4863,7 +4928,7 @@
         </a:p>
       </dgm:t>
     </dgm:pt>
-    <dgm:pt modelId="{F9845939-0F07-4F56-856D-0D9E75A64C82}" type="sibTrans" cxnId="{2EDB2489-EA84-42C5-8068-AA201E3CB323}">
+    <dgm:pt modelId="{8DE0286F-9E7D-4F97-ACF8-80467948EBF3}" type="parTrans" cxnId="{2EDB2489-EA84-42C5-8068-AA201E3CB323}">
       <dgm:prSet/>
       <dgm:spPr/>
       <dgm:t>
@@ -4882,13 +4947,19 @@
         <a:lstStyle/>
         <a:p>
           <a:r>
-            <a:rPr lang="en-US"/>
+            <a:rPr lang="en-US" dirty="0">
+              <a:solidFill>
+                <a:schemeClr val="bg1">
+                  <a:lumMod val="75000"/>
+                </a:schemeClr>
+              </a:solidFill>
+            </a:rPr>
             <a:t>External Specialized Stylesheet</a:t>
           </a:r>
         </a:p>
       </dgm:t>
     </dgm:pt>
-    <dgm:pt modelId="{FF2C72D1-5839-434E-92AE-E353436D2B4E}" type="parTrans" cxnId="{F8FB6493-3328-496E-BD46-2900F9327BDD}">
+    <dgm:pt modelId="{96D43DC8-A356-4ADE-B41C-EA5166D3AD63}" type="sibTrans" cxnId="{F8FB6493-3328-496E-BD46-2900F9327BDD}">
       <dgm:prSet/>
       <dgm:spPr/>
       <dgm:t>
@@ -4899,7 +4970,7 @@
         </a:p>
       </dgm:t>
     </dgm:pt>
-    <dgm:pt modelId="{96D43DC8-A356-4ADE-B41C-EA5166D3AD63}" type="sibTrans" cxnId="{F8FB6493-3328-496E-BD46-2900F9327BDD}">
+    <dgm:pt modelId="{FF2C72D1-5839-434E-92AE-E353436D2B4E}" type="parTrans" cxnId="{F8FB6493-3328-496E-BD46-2900F9327BDD}">
       <dgm:prSet/>
       <dgm:spPr/>
       <dgm:t>
@@ -4918,9 +4989,26 @@
         <a:lstStyle/>
         <a:p>
           <a:r>
-            <a:rPr lang="en-US"/>
+            <a:rPr lang="en-US" dirty="0">
+              <a:solidFill>
+                <a:schemeClr val="bg1">
+                  <a:lumMod val="75000"/>
+                </a:schemeClr>
+              </a:solidFill>
+            </a:rPr>
             <a:t>EPOC – Tailwind CSS</a:t>
           </a:r>
+        </a:p>
+      </dgm:t>
+    </dgm:pt>
+    <dgm:pt modelId="{D7B00741-62B3-4B18-870F-36EE37689D5B}" type="sibTrans" cxnId="{094D98E6-9BDD-410F-8F1E-CCD6857581DA}">
+      <dgm:prSet/>
+      <dgm:spPr/>
+      <dgm:t>
+        <a:bodyPr/>
+        <a:lstStyle/>
+        <a:p>
+          <a:endParaRPr lang="en-US"/>
         </a:p>
       </dgm:t>
     </dgm:pt>
@@ -4935,7 +5023,38 @@
         </a:p>
       </dgm:t>
     </dgm:pt>
-    <dgm:pt modelId="{D7B00741-62B3-4B18-870F-36EE37689D5B}" type="sibTrans" cxnId="{094D98E6-9BDD-410F-8F1E-CCD6857581DA}">
+    <dgm:pt modelId="{7AAA4735-3EA7-45FA-891D-B55C6194075A}">
+      <dgm:prSet/>
+      <dgm:spPr/>
+      <dgm:t>
+        <a:bodyPr/>
+        <a:lstStyle/>
+        <a:p>
+          <a:r>
+            <a:rPr lang="en-US" dirty="0">
+              <a:solidFill>
+                <a:schemeClr val="bg1">
+                  <a:lumMod val="75000"/>
+                </a:schemeClr>
+              </a:solidFill>
+            </a:rPr>
+            <a:t>Example picture of code. (EPOC)</a:t>
+          </a:r>
+        </a:p>
+      </dgm:t>
+    </dgm:pt>
+    <dgm:pt modelId="{3B2D2773-1122-41C3-B451-138CA84F3490}" type="sibTrans" cxnId="{5C5FEF41-2811-42B3-ABAF-D7ED4B425917}">
+      <dgm:prSet/>
+      <dgm:spPr/>
+      <dgm:t>
+        <a:bodyPr/>
+        <a:lstStyle/>
+        <a:p>
+          <a:endParaRPr lang="en-US"/>
+        </a:p>
+      </dgm:t>
+    </dgm:pt>
+    <dgm:pt modelId="{56A58701-EFF4-4B4C-8EB7-CAC94B876C37}" type="parTrans" cxnId="{5C5FEF41-2811-42B3-ABAF-D7ED4B425917}">
       <dgm:prSet/>
       <dgm:spPr/>
       <dgm:t>
@@ -5127,7 +5246,13 @@
         <a:lstStyle/>
         <a:p>
           <a:r>
-            <a:rPr lang="en-US"/>
+            <a:rPr lang="en-US" dirty="0">
+              <a:solidFill>
+                <a:schemeClr val="bg1">
+                  <a:lumMod val="75000"/>
+                </a:schemeClr>
+              </a:solidFill>
+            </a:rPr>
             <a:t>Inside specific elements of the app</a:t>
           </a:r>
         </a:p>
@@ -5163,7 +5288,13 @@
         <a:lstStyle/>
         <a:p>
           <a:r>
-            <a:rPr lang="en-US"/>
+            <a:rPr lang="en-US" dirty="0">
+              <a:solidFill>
+                <a:schemeClr val="bg1">
+                  <a:lumMod val="75000"/>
+                </a:schemeClr>
+              </a:solidFill>
+            </a:rPr>
             <a:t>Example picture of code. (EPOC)</a:t>
           </a:r>
         </a:p>
@@ -5199,7 +5330,13 @@
         <a:lstStyle/>
         <a:p>
           <a:r>
-            <a:rPr lang="en-US"/>
+            <a:rPr lang="en-US" dirty="0">
+              <a:solidFill>
+                <a:schemeClr val="bg1">
+                  <a:lumMod val="75000"/>
+                </a:schemeClr>
+              </a:solidFill>
+            </a:rPr>
             <a:t>In the header element of your main app body.</a:t>
           </a:r>
         </a:p>
@@ -5235,7 +5372,13 @@
         <a:lstStyle/>
         <a:p>
           <a:r>
-            <a:rPr lang="en-US"/>
+            <a:rPr lang="en-US" dirty="0">
+              <a:solidFill>
+                <a:schemeClr val="bg1">
+                  <a:lumMod val="75000"/>
+                </a:schemeClr>
+              </a:solidFill>
+            </a:rPr>
             <a:t>EPOC</a:t>
           </a:r>
         </a:p>
@@ -5343,7 +5486,13 @@
         <a:lstStyle/>
         <a:p>
           <a:r>
-            <a:rPr lang="en-US"/>
+            <a:rPr lang="en-US" dirty="0">
+              <a:solidFill>
+                <a:schemeClr val="bg1">
+                  <a:lumMod val="75000"/>
+                </a:schemeClr>
+              </a:solidFill>
+            </a:rPr>
             <a:t>External Specialized Stylesheet</a:t>
           </a:r>
         </a:p>
@@ -5379,7 +5528,13 @@
         <a:lstStyle/>
         <a:p>
           <a:r>
-            <a:rPr lang="en-US"/>
+            <a:rPr lang="en-US" dirty="0">
+              <a:solidFill>
+                <a:schemeClr val="bg1">
+                  <a:lumMod val="75000"/>
+                </a:schemeClr>
+              </a:solidFill>
+            </a:rPr>
             <a:t>EPOC – Tailwind CSS</a:t>
           </a:r>
         </a:p>
@@ -5588,7 +5743,13 @@
         <a:lstStyle/>
         <a:p>
           <a:r>
-            <a:rPr lang="en-US"/>
+            <a:rPr lang="en-US" dirty="0">
+              <a:solidFill>
+                <a:schemeClr val="bg1">
+                  <a:lumMod val="75000"/>
+                </a:schemeClr>
+              </a:solidFill>
+            </a:rPr>
             <a:t>Inside specific elements of the app</a:t>
           </a:r>
         </a:p>
@@ -5624,7 +5785,13 @@
         <a:lstStyle/>
         <a:p>
           <a:r>
-            <a:rPr lang="en-US"/>
+            <a:rPr lang="en-US">
+              <a:solidFill>
+                <a:schemeClr val="bg1">
+                  <a:lumMod val="75000"/>
+                </a:schemeClr>
+              </a:solidFill>
+            </a:rPr>
             <a:t>Example picture of code. (EPOC)</a:t>
           </a:r>
         </a:p>
@@ -5660,7 +5827,13 @@
         <a:lstStyle/>
         <a:p>
           <a:r>
-            <a:rPr lang="en-US"/>
+            <a:rPr lang="en-US" dirty="0">
+              <a:solidFill>
+                <a:schemeClr val="bg1">
+                  <a:lumMod val="75000"/>
+                </a:schemeClr>
+              </a:solidFill>
+            </a:rPr>
             <a:t>In the header element of your main app body.</a:t>
           </a:r>
         </a:p>
@@ -5696,7 +5869,13 @@
         <a:lstStyle/>
         <a:p>
           <a:r>
-            <a:rPr lang="en-US"/>
+            <a:rPr lang="en-US" dirty="0">
+              <a:solidFill>
+                <a:schemeClr val="bg1">
+                  <a:lumMod val="75000"/>
+                </a:schemeClr>
+              </a:solidFill>
+            </a:rPr>
             <a:t>EPOC</a:t>
           </a:r>
         </a:p>
@@ -5732,8 +5911,34 @@
         <a:lstStyle/>
         <a:p>
           <a:r>
-            <a:rPr lang="en-US"/>
-            <a:t>Personal and seperate stylesheet and reference.</a:t>
+            <a:rPr lang="en-US" dirty="0">
+              <a:solidFill>
+                <a:schemeClr val="bg1">
+                  <a:lumMod val="75000"/>
+                </a:schemeClr>
+              </a:solidFill>
+            </a:rPr>
+            <a:t>Personal and </a:t>
+          </a:r>
+          <a:r>
+            <a:rPr lang="en-US" dirty="0" err="1">
+              <a:solidFill>
+                <a:schemeClr val="bg1">
+                  <a:lumMod val="75000"/>
+                </a:schemeClr>
+              </a:solidFill>
+            </a:rPr>
+            <a:t>seperate</a:t>
+          </a:r>
+          <a:r>
+            <a:rPr lang="en-US" dirty="0">
+              <a:solidFill>
+                <a:schemeClr val="bg1">
+                  <a:lumMod val="75000"/>
+                </a:schemeClr>
+              </a:solidFill>
+            </a:rPr>
+            <a:t> stylesheet and reference.</a:t>
           </a:r>
         </a:p>
       </dgm:t>
@@ -5768,7 +5973,13 @@
         <a:lstStyle/>
         <a:p>
           <a:r>
-            <a:rPr lang="en-US"/>
+            <a:rPr lang="en-US" dirty="0">
+              <a:solidFill>
+                <a:schemeClr val="bg1">
+                  <a:lumMod val="75000"/>
+                </a:schemeClr>
+              </a:solidFill>
+            </a:rPr>
             <a:t>EPOC</a:t>
           </a:r>
         </a:p>
@@ -6276,7 +6487,7 @@
             <a:buChar char="•"/>
           </a:pPr>
           <a:r>
-            <a:rPr lang="en-US" sz="2300" kern="1200"/>
+            <a:rPr lang="en-US" sz="2300" kern="1200" dirty="0"/>
             <a:t>Example picture of code. (EPOC)</a:t>
           </a:r>
         </a:p>
@@ -6294,7 +6505,13 @@
             <a:buChar char="•"/>
           </a:pPr>
           <a:r>
-            <a:rPr lang="en-US" sz="2300" kern="1200"/>
+            <a:rPr lang="en-US" sz="2300" kern="1200" dirty="0">
+              <a:solidFill>
+                <a:schemeClr val="bg1">
+                  <a:lumMod val="75000"/>
+                </a:schemeClr>
+              </a:solidFill>
+            </a:rPr>
             <a:t>In the header element of your main app body.</a:t>
           </a:r>
         </a:p>
@@ -6312,7 +6529,13 @@
             <a:buChar char="•"/>
           </a:pPr>
           <a:r>
-            <a:rPr lang="en-US" sz="2300" kern="1200"/>
+            <a:rPr lang="en-US" sz="2300" kern="1200" dirty="0">
+              <a:solidFill>
+                <a:schemeClr val="bg1">
+                  <a:lumMod val="75000"/>
+                </a:schemeClr>
+              </a:solidFill>
+            </a:rPr>
             <a:t>EPOC</a:t>
           </a:r>
         </a:p>
@@ -6330,8 +6553,34 @@
             <a:buChar char="•"/>
           </a:pPr>
           <a:r>
-            <a:rPr lang="en-US" sz="2300" kern="1200"/>
-            <a:t>Personal and seperate stylesheet and reference.</a:t>
+            <a:rPr lang="en-US" sz="2300" kern="1200" dirty="0">
+              <a:solidFill>
+                <a:schemeClr val="bg1">
+                  <a:lumMod val="75000"/>
+                </a:schemeClr>
+              </a:solidFill>
+            </a:rPr>
+            <a:t>Personal and </a:t>
+          </a:r>
+          <a:r>
+            <a:rPr lang="en-US" sz="2300" kern="1200" dirty="0" err="1">
+              <a:solidFill>
+                <a:schemeClr val="bg1">
+                  <a:lumMod val="75000"/>
+                </a:schemeClr>
+              </a:solidFill>
+            </a:rPr>
+            <a:t>seperate</a:t>
+          </a:r>
+          <a:r>
+            <a:rPr lang="en-US" sz="2300" kern="1200" dirty="0">
+              <a:solidFill>
+                <a:schemeClr val="bg1">
+                  <a:lumMod val="75000"/>
+                </a:schemeClr>
+              </a:solidFill>
+            </a:rPr>
+            <a:t> stylesheet and reference.</a:t>
           </a:r>
         </a:p>
         <a:p>
@@ -6348,7 +6597,13 @@
             <a:buChar char="•"/>
           </a:pPr>
           <a:r>
-            <a:rPr lang="en-US" sz="2300" kern="1200"/>
+            <a:rPr lang="en-US" sz="2300" kern="1200" dirty="0">
+              <a:solidFill>
+                <a:schemeClr val="bg1">
+                  <a:lumMod val="75000"/>
+                </a:schemeClr>
+              </a:solidFill>
+            </a:rPr>
             <a:t>EPOC</a:t>
           </a:r>
         </a:p>
@@ -6366,7 +6621,13 @@
             <a:buChar char="•"/>
           </a:pPr>
           <a:r>
-            <a:rPr lang="en-US" sz="2300" kern="1200"/>
+            <a:rPr lang="en-US" sz="2300" kern="1200" dirty="0">
+              <a:solidFill>
+                <a:schemeClr val="bg1">
+                  <a:lumMod val="75000"/>
+                </a:schemeClr>
+              </a:solidFill>
+            </a:rPr>
             <a:t>External Specialized Stylesheet</a:t>
           </a:r>
         </a:p>
@@ -6384,7 +6645,13 @@
             <a:buChar char="•"/>
           </a:pPr>
           <a:r>
-            <a:rPr lang="en-US" sz="2300" kern="1200"/>
+            <a:rPr lang="en-US" sz="2300" kern="1200" dirty="0">
+              <a:solidFill>
+                <a:schemeClr val="bg1">
+                  <a:lumMod val="75000"/>
+                </a:schemeClr>
+              </a:solidFill>
+            </a:rPr>
             <a:t>EPOC – Tailwind CSS</a:t>
           </a:r>
         </a:p>
@@ -6602,7 +6869,13 @@
             <a:buChar char="•"/>
           </a:pPr>
           <a:r>
-            <a:rPr lang="en-US" sz="2300" kern="1200"/>
+            <a:rPr lang="en-US" sz="2300" kern="1200" dirty="0">
+              <a:solidFill>
+                <a:schemeClr val="bg1">
+                  <a:lumMod val="75000"/>
+                </a:schemeClr>
+              </a:solidFill>
+            </a:rPr>
             <a:t>Inside specific elements of the app</a:t>
           </a:r>
         </a:p>
@@ -6620,7 +6893,13 @@
             <a:buChar char="•"/>
           </a:pPr>
           <a:r>
-            <a:rPr lang="en-US" sz="2300" kern="1200"/>
+            <a:rPr lang="en-US" sz="2300" kern="1200" dirty="0">
+              <a:solidFill>
+                <a:schemeClr val="bg1">
+                  <a:lumMod val="75000"/>
+                </a:schemeClr>
+              </a:solidFill>
+            </a:rPr>
             <a:t>Example picture of code. (EPOC)</a:t>
           </a:r>
         </a:p>
@@ -6638,7 +6917,7 @@
             <a:buChar char="•"/>
           </a:pPr>
           <a:r>
-            <a:rPr lang="en-US" sz="2300" kern="1200"/>
+            <a:rPr lang="en-US" sz="2300" kern="1200" dirty="0"/>
             <a:t>In the header element of your main app body.</a:t>
           </a:r>
         </a:p>
@@ -6656,7 +6935,7 @@
             <a:buChar char="•"/>
           </a:pPr>
           <a:r>
-            <a:rPr lang="en-US" sz="2300" kern="1200"/>
+            <a:rPr lang="en-US" sz="2300" kern="1200" dirty="0"/>
             <a:t>EPOC</a:t>
           </a:r>
         </a:p>
@@ -6674,8 +6953,34 @@
             <a:buChar char="•"/>
           </a:pPr>
           <a:r>
-            <a:rPr lang="en-US" sz="2300" kern="1200"/>
-            <a:t>Personal and seperate stylesheet and reference.</a:t>
+            <a:rPr lang="en-US" sz="2300" kern="1200" dirty="0">
+              <a:solidFill>
+                <a:schemeClr val="bg1">
+                  <a:lumMod val="75000"/>
+                </a:schemeClr>
+              </a:solidFill>
+            </a:rPr>
+            <a:t>Personal and </a:t>
+          </a:r>
+          <a:r>
+            <a:rPr lang="en-US" sz="2300" kern="1200" dirty="0" err="1">
+              <a:solidFill>
+                <a:schemeClr val="bg1">
+                  <a:lumMod val="75000"/>
+                </a:schemeClr>
+              </a:solidFill>
+            </a:rPr>
+            <a:t>seperate</a:t>
+          </a:r>
+          <a:r>
+            <a:rPr lang="en-US" sz="2300" kern="1200" dirty="0">
+              <a:solidFill>
+                <a:schemeClr val="bg1">
+                  <a:lumMod val="75000"/>
+                </a:schemeClr>
+              </a:solidFill>
+            </a:rPr>
+            <a:t> stylesheet and reference.</a:t>
           </a:r>
         </a:p>
         <a:p>
@@ -6692,7 +6997,13 @@
             <a:buChar char="•"/>
           </a:pPr>
           <a:r>
-            <a:rPr lang="en-US" sz="2300" kern="1200"/>
+            <a:rPr lang="en-US" sz="2300" kern="1200" dirty="0">
+              <a:solidFill>
+                <a:schemeClr val="bg1">
+                  <a:lumMod val="75000"/>
+                </a:schemeClr>
+              </a:solidFill>
+            </a:rPr>
             <a:t>EPOC</a:t>
           </a:r>
         </a:p>
@@ -6710,7 +7021,13 @@
             <a:buChar char="•"/>
           </a:pPr>
           <a:r>
-            <a:rPr lang="en-US" sz="2300" kern="1200"/>
+            <a:rPr lang="en-US" sz="2300" kern="1200" dirty="0">
+              <a:solidFill>
+                <a:schemeClr val="bg1">
+                  <a:lumMod val="75000"/>
+                </a:schemeClr>
+              </a:solidFill>
+            </a:rPr>
             <a:t>External Specialized Stylesheet</a:t>
           </a:r>
         </a:p>
@@ -6728,7 +7045,13 @@
             <a:buChar char="•"/>
           </a:pPr>
           <a:r>
-            <a:rPr lang="en-US" sz="2300" kern="1200"/>
+            <a:rPr lang="en-US" sz="2300" kern="1200" dirty="0">
+              <a:solidFill>
+                <a:schemeClr val="bg1">
+                  <a:lumMod val="75000"/>
+                </a:schemeClr>
+              </a:solidFill>
+            </a:rPr>
             <a:t>EPOC – Tailwind CSS</a:t>
           </a:r>
         </a:p>
@@ -6946,7 +7269,13 @@
             <a:buChar char="•"/>
           </a:pPr>
           <a:r>
-            <a:rPr lang="en-US" sz="2300" kern="1200"/>
+            <a:rPr lang="en-US" sz="2300" kern="1200" dirty="0">
+              <a:solidFill>
+                <a:schemeClr val="bg1">
+                  <a:lumMod val="75000"/>
+                </a:schemeClr>
+              </a:solidFill>
+            </a:rPr>
             <a:t>Inside specific elements of the app</a:t>
           </a:r>
         </a:p>
@@ -6964,7 +7293,13 @@
             <a:buChar char="•"/>
           </a:pPr>
           <a:r>
-            <a:rPr lang="en-US" sz="2300" kern="1200"/>
+            <a:rPr lang="en-US" sz="2300" kern="1200" dirty="0">
+              <a:solidFill>
+                <a:schemeClr val="bg1">
+                  <a:lumMod val="75000"/>
+                </a:schemeClr>
+              </a:solidFill>
+            </a:rPr>
             <a:t>Example picture of code. (EPOC)</a:t>
           </a:r>
         </a:p>
@@ -6982,7 +7317,13 @@
             <a:buChar char="•"/>
           </a:pPr>
           <a:r>
-            <a:rPr lang="en-US" sz="2300" kern="1200"/>
+            <a:rPr lang="en-US" sz="2300" kern="1200" dirty="0">
+              <a:solidFill>
+                <a:schemeClr val="bg1">
+                  <a:lumMod val="75000"/>
+                </a:schemeClr>
+              </a:solidFill>
+            </a:rPr>
             <a:t>In the header element of your main app body.</a:t>
           </a:r>
         </a:p>
@@ -7000,7 +7341,13 @@
             <a:buChar char="•"/>
           </a:pPr>
           <a:r>
-            <a:rPr lang="en-US" sz="2300" kern="1200"/>
+            <a:rPr lang="en-US" sz="2300" kern="1200" dirty="0">
+              <a:solidFill>
+                <a:schemeClr val="bg1">
+                  <a:lumMod val="75000"/>
+                </a:schemeClr>
+              </a:solidFill>
+            </a:rPr>
             <a:t>EPOC</a:t>
           </a:r>
         </a:p>
@@ -7054,7 +7401,13 @@
             <a:buChar char="•"/>
           </a:pPr>
           <a:r>
-            <a:rPr lang="en-US" sz="2300" kern="1200"/>
+            <a:rPr lang="en-US" sz="2300" kern="1200" dirty="0">
+              <a:solidFill>
+                <a:schemeClr val="bg1">
+                  <a:lumMod val="75000"/>
+                </a:schemeClr>
+              </a:solidFill>
+            </a:rPr>
             <a:t>External Specialized Stylesheet</a:t>
           </a:r>
         </a:p>
@@ -7072,7 +7425,13 @@
             <a:buChar char="•"/>
           </a:pPr>
           <a:r>
-            <a:rPr lang="en-US" sz="2300" kern="1200"/>
+            <a:rPr lang="en-US" sz="2300" kern="1200" dirty="0">
+              <a:solidFill>
+                <a:schemeClr val="bg1">
+                  <a:lumMod val="75000"/>
+                </a:schemeClr>
+              </a:solidFill>
+            </a:rPr>
             <a:t>EPOC – Tailwind CSS</a:t>
           </a:r>
         </a:p>
@@ -7290,7 +7649,13 @@
             <a:buChar char="•"/>
           </a:pPr>
           <a:r>
-            <a:rPr lang="en-US" sz="2300" kern="1200"/>
+            <a:rPr lang="en-US" sz="2300" kern="1200" dirty="0">
+              <a:solidFill>
+                <a:schemeClr val="bg1">
+                  <a:lumMod val="75000"/>
+                </a:schemeClr>
+              </a:solidFill>
+            </a:rPr>
             <a:t>Inside specific elements of the app</a:t>
           </a:r>
         </a:p>
@@ -7308,7 +7673,13 @@
             <a:buChar char="•"/>
           </a:pPr>
           <a:r>
-            <a:rPr lang="en-US" sz="2300" kern="1200"/>
+            <a:rPr lang="en-US" sz="2300" kern="1200">
+              <a:solidFill>
+                <a:schemeClr val="bg1">
+                  <a:lumMod val="75000"/>
+                </a:schemeClr>
+              </a:solidFill>
+            </a:rPr>
             <a:t>Example picture of code. (EPOC)</a:t>
           </a:r>
         </a:p>
@@ -7326,7 +7697,13 @@
             <a:buChar char="•"/>
           </a:pPr>
           <a:r>
-            <a:rPr lang="en-US" sz="2300" kern="1200"/>
+            <a:rPr lang="en-US" sz="2300" kern="1200" dirty="0">
+              <a:solidFill>
+                <a:schemeClr val="bg1">
+                  <a:lumMod val="75000"/>
+                </a:schemeClr>
+              </a:solidFill>
+            </a:rPr>
             <a:t>In the header element of your main app body.</a:t>
           </a:r>
         </a:p>
@@ -7344,7 +7721,13 @@
             <a:buChar char="•"/>
           </a:pPr>
           <a:r>
-            <a:rPr lang="en-US" sz="2300" kern="1200"/>
+            <a:rPr lang="en-US" sz="2300" kern="1200" dirty="0">
+              <a:solidFill>
+                <a:schemeClr val="bg1">
+                  <a:lumMod val="75000"/>
+                </a:schemeClr>
+              </a:solidFill>
+            </a:rPr>
             <a:t>EPOC</a:t>
           </a:r>
         </a:p>
@@ -7362,8 +7745,34 @@
             <a:buChar char="•"/>
           </a:pPr>
           <a:r>
-            <a:rPr lang="en-US" sz="2300" kern="1200"/>
-            <a:t>Personal and seperate stylesheet and reference.</a:t>
+            <a:rPr lang="en-US" sz="2300" kern="1200" dirty="0">
+              <a:solidFill>
+                <a:schemeClr val="bg1">
+                  <a:lumMod val="75000"/>
+                </a:schemeClr>
+              </a:solidFill>
+            </a:rPr>
+            <a:t>Personal and </a:t>
+          </a:r>
+          <a:r>
+            <a:rPr lang="en-US" sz="2300" kern="1200" dirty="0" err="1">
+              <a:solidFill>
+                <a:schemeClr val="bg1">
+                  <a:lumMod val="75000"/>
+                </a:schemeClr>
+              </a:solidFill>
+            </a:rPr>
+            <a:t>seperate</a:t>
+          </a:r>
+          <a:r>
+            <a:rPr lang="en-US" sz="2300" kern="1200" dirty="0">
+              <a:solidFill>
+                <a:schemeClr val="bg1">
+                  <a:lumMod val="75000"/>
+                </a:schemeClr>
+              </a:solidFill>
+            </a:rPr>
+            <a:t> stylesheet and reference.</a:t>
           </a:r>
         </a:p>
         <a:p>
@@ -7380,7 +7789,13 @@
             <a:buChar char="•"/>
           </a:pPr>
           <a:r>
-            <a:rPr lang="en-US" sz="2300" kern="1200"/>
+            <a:rPr lang="en-US" sz="2300" kern="1200" dirty="0">
+              <a:solidFill>
+                <a:schemeClr val="bg1">
+                  <a:lumMod val="75000"/>
+                </a:schemeClr>
+              </a:solidFill>
+            </a:rPr>
             <a:t>EPOC</a:t>
           </a:r>
         </a:p>
@@ -14958,7 +15373,7 @@
           <a:p>
             <a:fld id="{B26B15BB-0B68-4ABC-8440-FC01E3972F05}" type="datetimeFigureOut">
               <a:rPr lang="en-US" smtClean="0"/>
-              <a:t>8/10/2019</a:t>
+              <a:t>8/14/2019</a:t>
             </a:fld>
             <a:endParaRPr lang="en-US"/>
           </a:p>
@@ -15186,7 +15601,7 @@
           <a:p>
             <a:fld id="{B26B15BB-0B68-4ABC-8440-FC01E3972F05}" type="datetimeFigureOut">
               <a:rPr lang="en-US" smtClean="0"/>
-              <a:t>8/10/2019</a:t>
+              <a:t>8/14/2019</a:t>
             </a:fld>
             <a:endParaRPr lang="en-US"/>
           </a:p>
@@ -15366,7 +15781,7 @@
           <a:p>
             <a:fld id="{B26B15BB-0B68-4ABC-8440-FC01E3972F05}" type="datetimeFigureOut">
               <a:rPr lang="en-US" smtClean="0"/>
-              <a:t>8/10/2019</a:t>
+              <a:t>8/14/2019</a:t>
             </a:fld>
             <a:endParaRPr lang="en-US"/>
           </a:p>
@@ -15536,7 +15951,7 @@
           <a:p>
             <a:fld id="{B26B15BB-0B68-4ABC-8440-FC01E3972F05}" type="datetimeFigureOut">
               <a:rPr lang="en-US" smtClean="0"/>
-              <a:t>8/10/2019</a:t>
+              <a:t>8/14/2019</a:t>
             </a:fld>
             <a:endParaRPr lang="en-US"/>
           </a:p>
@@ -15790,7 +16205,7 @@
           <a:p>
             <a:fld id="{B26B15BB-0B68-4ABC-8440-FC01E3972F05}" type="datetimeFigureOut">
               <a:rPr lang="en-US" smtClean="0"/>
-              <a:t>8/10/2019</a:t>
+              <a:t>8/14/2019</a:t>
             </a:fld>
             <a:endParaRPr lang="en-US"/>
           </a:p>
@@ -16116,7 +16531,7 @@
           <a:p>
             <a:fld id="{B26B15BB-0B68-4ABC-8440-FC01E3972F05}" type="datetimeFigureOut">
               <a:rPr lang="en-US" smtClean="0"/>
-              <a:t>8/10/2019</a:t>
+              <a:t>8/14/2019</a:t>
             </a:fld>
             <a:endParaRPr lang="en-US"/>
           </a:p>
@@ -16567,7 +16982,7 @@
           <a:p>
             <a:fld id="{B26B15BB-0B68-4ABC-8440-FC01E3972F05}" type="datetimeFigureOut">
               <a:rPr lang="en-US" smtClean="0"/>
-              <a:t>8/10/2019</a:t>
+              <a:t>8/14/2019</a:t>
             </a:fld>
             <a:endParaRPr lang="en-US"/>
           </a:p>
@@ -16685,7 +17100,7 @@
           <a:p>
             <a:fld id="{B26B15BB-0B68-4ABC-8440-FC01E3972F05}" type="datetimeFigureOut">
               <a:rPr lang="en-US" smtClean="0"/>
-              <a:t>8/10/2019</a:t>
+              <a:t>8/14/2019</a:t>
             </a:fld>
             <a:endParaRPr lang="en-US"/>
           </a:p>
@@ -16780,7 +17195,7 @@
           <a:p>
             <a:fld id="{B26B15BB-0B68-4ABC-8440-FC01E3972F05}" type="datetimeFigureOut">
               <a:rPr lang="en-US" smtClean="0"/>
-              <a:t>8/10/2019</a:t>
+              <a:t>8/14/2019</a:t>
             </a:fld>
             <a:endParaRPr lang="en-US"/>
           </a:p>
@@ -17067,7 +17482,7 @@
           <a:p>
             <a:fld id="{B26B15BB-0B68-4ABC-8440-FC01E3972F05}" type="datetimeFigureOut">
               <a:rPr lang="en-US" smtClean="0"/>
-              <a:t>8/10/2019</a:t>
+              <a:t>8/14/2019</a:t>
             </a:fld>
             <a:endParaRPr lang="en-US"/>
           </a:p>
@@ -17389,7 +17804,7 @@
           <a:p>
             <a:fld id="{B26B15BB-0B68-4ABC-8440-FC01E3972F05}" type="datetimeFigureOut">
               <a:rPr lang="en-US" smtClean="0"/>
-              <a:t>8/10/2019</a:t>
+              <a:t>8/14/2019</a:t>
             </a:fld>
             <a:endParaRPr lang="en-US"/>
           </a:p>
@@ -17643,7 +18058,7 @@
           <a:p>
             <a:fld id="{B26B15BB-0B68-4ABC-8440-FC01E3972F05}" type="datetimeFigureOut">
               <a:rPr lang="en-US" smtClean="0"/>
-              <a:t>8/10/2019</a:t>
+              <a:t>8/14/2019</a:t>
             </a:fld>
             <a:endParaRPr lang="en-US"/>
           </a:p>
@@ -18457,6 +18872,232 @@
 <file path=ppt/slides/slide10.xml><?xml version="1.0" encoding="utf-8"?>
 <p:sld xmlns:a="http://schemas.openxmlformats.org/drawingml/2006/main" xmlns:r="http://schemas.openxmlformats.org/officeDocument/2006/relationships" xmlns:p="http://schemas.openxmlformats.org/presentationml/2006/main">
   <p:cSld>
+    <p:bg>
+      <p:bgPr>
+        <a:solidFill>
+          <a:schemeClr val="bg1"/>
+        </a:solidFill>
+        <a:effectLst/>
+      </p:bgPr>
+    </p:bg>
+    <p:spTree>
+      <p:nvGrpSpPr>
+        <p:cNvPr id="1" name=""/>
+        <p:cNvGrpSpPr/>
+        <p:nvPr/>
+      </p:nvGrpSpPr>
+      <p:grpSpPr>
+        <a:xfrm>
+          <a:off x="0" y="0"/>
+          <a:ext cx="0" cy="0"/>
+          <a:chOff x="0" y="0"/>
+          <a:chExt cx="0" cy="0"/>
+        </a:xfrm>
+      </p:grpSpPr>
+      <p:sp>
+        <p:nvSpPr>
+          <p:cNvPr id="16" name="Rectangle 9">
+            <a:extLst>
+              <a:ext uri="{FF2B5EF4-FFF2-40B4-BE49-F238E27FC236}">
+                <a16:creationId xmlns:a16="http://schemas.microsoft.com/office/drawing/2014/main" id="{30B3D270-B19D-4DB8-BD3C-3E707485B515}"/>
+              </a:ext>
+              <a:ext uri="{C183D7F6-B498-43B3-948B-1728B52AA6E4}">
+                <adec:decorative xmlns:adec="http://schemas.microsoft.com/office/drawing/2017/decorative" val="1"/>
+              </a:ext>
+            </a:extLst>
+          </p:cNvPr>
+          <p:cNvSpPr>
+            <a:spLocks noGrp="1" noRot="1" noChangeAspect="1" noMove="1" noResize="1" noEditPoints="1" noAdjustHandles="1" noChangeArrowheads="1" noChangeShapeType="1" noTextEdit="1"/>
+          </p:cNvSpPr>
+          <p:nvPr>
+            <p:extLst>
+              <p:ext uri="{386F3935-93C4-4BCD-93E2-E3B085C9AB24}">
+                <p16:designElem xmlns:p16="http://schemas.microsoft.com/office/powerpoint/2015/main" val="1"/>
+              </p:ext>
+            </p:extLst>
+          </p:nvPr>
+        </p:nvSpPr>
+        <p:spPr>
+          <a:xfrm>
+            <a:off x="1" y="0"/>
+            <a:ext cx="4055416" cy="6858000"/>
+          </a:xfrm>
+          <a:prstGeom prst="rect">
+            <a:avLst/>
+          </a:prstGeom>
+          <a:solidFill>
+            <a:schemeClr val="accent1"/>
+          </a:solidFill>
+          <a:ln>
+            <a:noFill/>
+          </a:ln>
+        </p:spPr>
+        <p:style>
+          <a:lnRef idx="0">
+            <a:scrgbClr r="0" g="0" b="0"/>
+          </a:lnRef>
+          <a:fillRef idx="0">
+            <a:scrgbClr r="0" g="0" b="0"/>
+          </a:fillRef>
+          <a:effectRef idx="0">
+            <a:scrgbClr r="0" g="0" b="0"/>
+          </a:effectRef>
+          <a:fontRef idx="minor">
+            <a:schemeClr val="lt1"/>
+          </a:fontRef>
+        </p:style>
+        <p:txBody>
+          <a:bodyPr rtlCol="0" anchor="ctr"/>
+          <a:lstStyle/>
+          <a:p>
+            <a:pPr algn="ctr"/>
+            <a:endParaRPr lang="en-US"/>
+          </a:p>
+        </p:txBody>
+      </p:sp>
+      <p:sp>
+        <p:nvSpPr>
+          <p:cNvPr id="2" name="Title 1">
+            <a:extLst>
+              <a:ext uri="{FF2B5EF4-FFF2-40B4-BE49-F238E27FC236}">
+                <a16:creationId xmlns:a16="http://schemas.microsoft.com/office/drawing/2014/main" id="{DDEE9F0D-71AA-4EC6-9A35-DA710FD4B9A5}"/>
+              </a:ext>
+            </a:extLst>
+          </p:cNvPr>
+          <p:cNvSpPr>
+            <a:spLocks noGrp="1"/>
+          </p:cNvSpPr>
+          <p:nvPr>
+            <p:ph type="title"/>
+          </p:nvPr>
+        </p:nvSpPr>
+        <p:spPr>
+          <a:xfrm>
+            <a:off x="566058" y="836023"/>
+            <a:ext cx="2718788" cy="5183777"/>
+          </a:xfrm>
+        </p:spPr>
+        <p:txBody>
+          <a:bodyPr anchor="ctr">
+            <a:normAutofit/>
+          </a:bodyPr>
+          <a:lstStyle/>
+          <a:p>
+            <a:r>
+              <a:rPr lang="en-US" sz="3600" dirty="0">
+                <a:solidFill>
+                  <a:srgbClr val="FFFFFF"/>
+                </a:solidFill>
+              </a:rPr>
+              <a:t>Tips and Tricks #1 | CSS styling</a:t>
+            </a:r>
+          </a:p>
+        </p:txBody>
+      </p:sp>
+      <p:sp>
+        <p:nvSpPr>
+          <p:cNvPr id="17" name="Rectangle 11">
+            <a:extLst>
+              <a:ext uri="{FF2B5EF4-FFF2-40B4-BE49-F238E27FC236}">
+                <a16:creationId xmlns:a16="http://schemas.microsoft.com/office/drawing/2014/main" id="{49BDAF94-B52E-4307-B54C-EF413086FC77}"/>
+              </a:ext>
+              <a:ext uri="{C183D7F6-B498-43B3-948B-1728B52AA6E4}">
+                <adec:decorative xmlns:adec="http://schemas.microsoft.com/office/drawing/2017/decorative" val="1"/>
+              </a:ext>
+            </a:extLst>
+          </p:cNvPr>
+          <p:cNvSpPr>
+            <a:spLocks noGrp="1" noRot="1" noChangeAspect="1" noMove="1" noResize="1" noEditPoints="1" noAdjustHandles="1" noChangeArrowheads="1" noChangeShapeType="1" noTextEdit="1"/>
+          </p:cNvSpPr>
+          <p:nvPr>
+            <p:extLst>
+              <p:ext uri="{386F3935-93C4-4BCD-93E2-E3B085C9AB24}">
+                <p16:designElem xmlns:p16="http://schemas.microsoft.com/office/powerpoint/2015/main" val="1"/>
+              </p:ext>
+            </p:extLst>
+          </p:nvPr>
+        </p:nvSpPr>
+        <p:spPr>
+          <a:xfrm>
+            <a:off x="11292840" y="0"/>
+            <a:ext cx="914400" cy="6858000"/>
+          </a:xfrm>
+          <a:prstGeom prst="rect">
+            <a:avLst/>
+          </a:prstGeom>
+          <a:solidFill>
+            <a:schemeClr val="tx2">
+              <a:lumMod val="75000"/>
+            </a:schemeClr>
+          </a:solidFill>
+          <a:ln>
+            <a:noFill/>
+          </a:ln>
+        </p:spPr>
+        <p:style>
+          <a:lnRef idx="2">
+            <a:schemeClr val="accent1">
+              <a:shade val="50000"/>
+            </a:schemeClr>
+          </a:lnRef>
+          <a:fillRef idx="1">
+            <a:schemeClr val="accent1"/>
+          </a:fillRef>
+          <a:effectRef idx="0">
+            <a:schemeClr val="accent1"/>
+          </a:effectRef>
+          <a:fontRef idx="minor">
+            <a:schemeClr val="lt1"/>
+          </a:fontRef>
+        </p:style>
+      </p:sp>
+      <p:graphicFrame>
+        <p:nvGraphicFramePr>
+          <p:cNvPr id="18" name="Content Placeholder 2">
+            <a:extLst>
+              <a:ext uri="{FF2B5EF4-FFF2-40B4-BE49-F238E27FC236}">
+                <a16:creationId xmlns:a16="http://schemas.microsoft.com/office/drawing/2014/main" id="{694AA9D8-5B9A-4A81-9B1B-9A64EC9BCD51}"/>
+              </a:ext>
+            </a:extLst>
+          </p:cNvPr>
+          <p:cNvGraphicFramePr>
+            <a:graphicFrameLocks noGrp="1"/>
+          </p:cNvGraphicFramePr>
+          <p:nvPr>
+            <p:ph idx="1"/>
+            <p:extLst>
+              <p:ext uri="{D42A27DB-BD31-4B8C-83A1-F6EECF244321}">
+                <p14:modId xmlns:p14="http://schemas.microsoft.com/office/powerpoint/2010/main" val="3541830001"/>
+              </p:ext>
+            </p:extLst>
+          </p:nvPr>
+        </p:nvGraphicFramePr>
+        <p:xfrm>
+          <a:off x="4658815" y="804672"/>
+          <a:ext cx="5990136" cy="5262054"/>
+        </p:xfrm>
+        <a:graphic>
+          <a:graphicData uri="http://schemas.openxmlformats.org/drawingml/2006/diagram">
+            <dgm:relIds xmlns:dgm="http://schemas.openxmlformats.org/drawingml/2006/diagram" xmlns:r="http://schemas.openxmlformats.org/officeDocument/2006/relationships" r:dm="rId2" r:lo="rId3" r:qs="rId4" r:cs="rId5"/>
+          </a:graphicData>
+        </a:graphic>
+      </p:graphicFrame>
+    </p:spTree>
+    <p:extLst>
+      <p:ext uri="{BB962C8B-B14F-4D97-AF65-F5344CB8AC3E}">
+        <p14:creationId xmlns:p14="http://schemas.microsoft.com/office/powerpoint/2010/main" val="265236368"/>
+      </p:ext>
+    </p:extLst>
+  </p:cSld>
+  <p:clrMapOvr>
+    <a:masterClrMapping/>
+  </p:clrMapOvr>
+</p:sld>
+</file>
+
+<file path=ppt/slides/slide11.xml><?xml version="1.0" encoding="utf-8"?>
+<p:sld xmlns:a="http://schemas.openxmlformats.org/drawingml/2006/main" xmlns:r="http://schemas.openxmlformats.org/officeDocument/2006/relationships" xmlns:p="http://schemas.openxmlformats.org/presentationml/2006/main">
+  <p:cSld>
     <p:spTree>
       <p:nvGrpSpPr>
         <p:cNvPr id="1" name=""/>
@@ -18489,12 +19130,14 @@
         </p:nvSpPr>
         <p:spPr/>
         <p:txBody>
-          <a:bodyPr/>
+          <a:bodyPr>
+            <a:normAutofit/>
+          </a:bodyPr>
           <a:lstStyle/>
           <a:p>
             <a:r>
-              <a:rPr lang="en-US" dirty="0"/>
-              <a:t>Finding the class tag and using it.</a:t>
+              <a:rPr lang="en-US" sz="3600" dirty="0"/>
+              <a:t>Finding the class tag you want to assign CSS properties to.</a:t>
             </a:r>
           </a:p>
         </p:txBody>
@@ -18515,20 +19158,39 @@
             <p:ph idx="1"/>
           </p:nvPr>
         </p:nvSpPr>
-        <p:spPr/>
+        <p:spPr>
+          <a:xfrm>
+            <a:off x="1261872" y="1828800"/>
+            <a:ext cx="8595360" cy="5029200"/>
+          </a:xfrm>
+        </p:spPr>
         <p:txBody>
-          <a:bodyPr/>
+          <a:bodyPr>
+            <a:normAutofit/>
+          </a:bodyPr>
           <a:lstStyle/>
           <a:p>
             <a:r>
               <a:rPr lang="en-US" dirty="0"/>
-              <a:t>Run your shiny app externally &gt;</a:t>
+              <a:t>Run your shiny app externally </a:t>
             </a:r>
           </a:p>
           <a:p>
             <a:r>
               <a:rPr lang="en-US" dirty="0"/>
-              <a:t>Press F12, click a button like this and find the element.</a:t>
+              <a:t>Press F12</a:t>
+            </a:r>
+          </a:p>
+          <a:p>
+            <a:r>
+              <a:rPr lang="en-US" dirty="0"/>
+              <a:t>Click </a:t>
+            </a:r>
+          </a:p>
+          <a:p>
+            <a:r>
+              <a:rPr lang="en-US" dirty="0"/>
+              <a:t>and select the element</a:t>
             </a:r>
           </a:p>
           <a:p>
@@ -18540,26 +19202,287 @@
           <a:p>
             <a:r>
               <a:rPr lang="en-US" dirty="0"/>
-              <a:t>Right click your element and click inspect.</a:t>
+              <a:t>Right click your element and click inspect</a:t>
             </a:r>
           </a:p>
+          <a:p>
+            <a:endParaRPr lang="en-US" dirty="0"/>
+          </a:p>
+        </p:txBody>
+      </p:sp>
+      <p:pic>
+        <p:nvPicPr>
+          <p:cNvPr id="4" name="Picture 3">
+            <a:extLst>
+              <a:ext uri="{FF2B5EF4-FFF2-40B4-BE49-F238E27FC236}">
+                <a16:creationId xmlns:a16="http://schemas.microsoft.com/office/drawing/2014/main" id="{B1B93AC0-9412-48AA-B31C-8A07920702E4}"/>
+              </a:ext>
+            </a:extLst>
+          </p:cNvPr>
+          <p:cNvPicPr>
+            <a:picLocks noChangeAspect="1"/>
+          </p:cNvPicPr>
+          <p:nvPr/>
+        </p:nvPicPr>
+        <p:blipFill>
+          <a:blip r:embed="rId2"/>
+          <a:stretch>
+            <a:fillRect/>
+          </a:stretch>
+        </p:blipFill>
+        <p:spPr>
+          <a:xfrm>
+            <a:off x="5170478" y="1682686"/>
+            <a:ext cx="1226768" cy="789194"/>
+          </a:xfrm>
+          <a:prstGeom prst="rect">
+            <a:avLst/>
+          </a:prstGeom>
+        </p:spPr>
+      </p:pic>
+      <p:pic>
+        <p:nvPicPr>
+          <p:cNvPr id="5" name="Picture 4">
+            <a:extLst>
+              <a:ext uri="{FF2B5EF4-FFF2-40B4-BE49-F238E27FC236}">
+                <a16:creationId xmlns:a16="http://schemas.microsoft.com/office/drawing/2014/main" id="{21F7C7A8-F3D6-43A8-84AA-01ECCF08D469}"/>
+              </a:ext>
+            </a:extLst>
+          </p:cNvPr>
+          <p:cNvPicPr>
+            <a:picLocks noChangeAspect="1"/>
+          </p:cNvPicPr>
+          <p:nvPr/>
+        </p:nvPicPr>
+        <p:blipFill>
+          <a:blip r:embed="rId3"/>
+          <a:stretch>
+            <a:fillRect/>
+          </a:stretch>
+        </p:blipFill>
+        <p:spPr>
+          <a:xfrm>
+            <a:off x="4412143" y="2638351"/>
+            <a:ext cx="2743438" cy="403895"/>
+          </a:xfrm>
+          <a:prstGeom prst="rect">
+            <a:avLst/>
+          </a:prstGeom>
+        </p:spPr>
+      </p:pic>
+      <p:cxnSp>
+        <p:nvCxnSpPr>
+          <p:cNvPr id="7" name="Straight Arrow Connector 6">
+            <a:extLst>
+              <a:ext uri="{FF2B5EF4-FFF2-40B4-BE49-F238E27FC236}">
+                <a16:creationId xmlns:a16="http://schemas.microsoft.com/office/drawing/2014/main" id="{43629937-D103-4185-8F56-DA2667357FA2}"/>
+              </a:ext>
+            </a:extLst>
+          </p:cNvPr>
+          <p:cNvCxnSpPr>
+            <a:cxnSpLocks/>
+          </p:cNvCxnSpPr>
+          <p:nvPr/>
+        </p:nvCxnSpPr>
+        <p:spPr>
+          <a:xfrm flipV="1">
+            <a:off x="2148396" y="2734322"/>
+            <a:ext cx="2121763" cy="186431"/>
+          </a:xfrm>
+          <a:prstGeom prst="straightConnector1">
+            <a:avLst/>
+          </a:prstGeom>
+          <a:ln w="57150">
+            <a:tailEnd type="triangle"/>
+          </a:ln>
+        </p:spPr>
+        <p:style>
+          <a:lnRef idx="1">
+            <a:schemeClr val="accent1"/>
+          </a:lnRef>
+          <a:fillRef idx="0">
+            <a:schemeClr val="accent1"/>
+          </a:fillRef>
+          <a:effectRef idx="0">
+            <a:schemeClr val="accent1"/>
+          </a:effectRef>
+          <a:fontRef idx="minor">
+            <a:schemeClr val="tx1"/>
+          </a:fontRef>
+        </p:style>
+      </p:cxnSp>
+      <p:pic>
+        <p:nvPicPr>
+          <p:cNvPr id="10" name="Picture 9">
+            <a:extLst>
+              <a:ext uri="{FF2B5EF4-FFF2-40B4-BE49-F238E27FC236}">
+                <a16:creationId xmlns:a16="http://schemas.microsoft.com/office/drawing/2014/main" id="{70886C1C-DFE0-424C-9A06-F26C00AEC579}"/>
+              </a:ext>
+            </a:extLst>
+          </p:cNvPr>
+          <p:cNvPicPr>
+            <a:picLocks noChangeAspect="1"/>
+          </p:cNvPicPr>
+          <p:nvPr/>
+        </p:nvPicPr>
+        <p:blipFill>
+          <a:blip r:embed="rId4"/>
+          <a:stretch>
+            <a:fillRect/>
+          </a:stretch>
+        </p:blipFill>
+        <p:spPr>
+          <a:xfrm>
+            <a:off x="1261872" y="4687207"/>
+            <a:ext cx="5343525" cy="1609725"/>
+          </a:xfrm>
+          <a:prstGeom prst="rect">
+            <a:avLst/>
+          </a:prstGeom>
+        </p:spPr>
+        <p:style>
+          <a:lnRef idx="2">
+            <a:schemeClr val="dk1"/>
+          </a:lnRef>
+          <a:fillRef idx="1">
+            <a:schemeClr val="lt1"/>
+          </a:fillRef>
+          <a:effectRef idx="0">
+            <a:schemeClr val="dk1"/>
+          </a:effectRef>
+          <a:fontRef idx="minor">
+            <a:schemeClr val="dk1"/>
+          </a:fontRef>
+        </p:style>
+      </p:pic>
+      <p:pic>
+        <p:nvPicPr>
+          <p:cNvPr id="14" name="Picture 13">
+            <a:extLst>
+              <a:ext uri="{FF2B5EF4-FFF2-40B4-BE49-F238E27FC236}">
+                <a16:creationId xmlns:a16="http://schemas.microsoft.com/office/drawing/2014/main" id="{E7AFA87F-7F31-4CA6-9944-989125E8E7FD}"/>
+              </a:ext>
+            </a:extLst>
+          </p:cNvPr>
+          <p:cNvPicPr>
+            <a:picLocks noChangeAspect="1"/>
+          </p:cNvPicPr>
+          <p:nvPr/>
+        </p:nvPicPr>
+        <p:blipFill>
+          <a:blip r:embed="rId5"/>
+          <a:stretch>
+            <a:fillRect/>
+          </a:stretch>
+        </p:blipFill>
+        <p:spPr>
+          <a:xfrm>
+            <a:off x="4697918" y="3213159"/>
+            <a:ext cx="2171888" cy="434378"/>
+          </a:xfrm>
+          <a:prstGeom prst="rect">
+            <a:avLst/>
+          </a:prstGeom>
+        </p:spPr>
+      </p:pic>
+      <p:sp>
+        <p:nvSpPr>
+          <p:cNvPr id="15" name="TextBox 14">
+            <a:extLst>
+              <a:ext uri="{FF2B5EF4-FFF2-40B4-BE49-F238E27FC236}">
+                <a16:creationId xmlns:a16="http://schemas.microsoft.com/office/drawing/2014/main" id="{5A312265-BB36-4B92-B77D-09FF352C36C2}"/>
+              </a:ext>
+            </a:extLst>
+          </p:cNvPr>
+          <p:cNvSpPr txBox="1"/>
+          <p:nvPr/>
+        </p:nvSpPr>
+        <p:spPr>
+          <a:xfrm>
+            <a:off x="7155581" y="4158734"/>
+            <a:ext cx="4095993" cy="2308324"/>
+          </a:xfrm>
+          <a:prstGeom prst="rect">
+            <a:avLst/>
+          </a:prstGeom>
+          <a:noFill/>
+        </p:spPr>
+        <p:txBody>
+          <a:bodyPr wrap="none" rtlCol="0">
+            <a:spAutoFit/>
+          </a:bodyPr>
+          <a:lstStyle/>
           <a:p>
             <a:r>
               <a:rPr lang="en-US" dirty="0"/>
-              <a:t>Look for class CSS that looks like this:</a:t>
+              <a:t>Add something new to your CSS file.</a:t>
             </a:r>
+          </a:p>
+          <a:p>
+            <a:endParaRPr lang="en-US" dirty="0"/>
           </a:p>
           <a:p>
             <a:r>
               <a:rPr lang="en-US" dirty="0"/>
-              <a:t>Wherever you have CSS locate add something like to this, depending on your preference:</a:t>
+              <a:t>.box-header .box-title:hover {</a:t>
             </a:r>
           </a:p>
           <a:p>
             <a:endParaRPr lang="en-US" dirty="0"/>
+          </a:p>
+          <a:p>
+            <a:r>
+              <a:rPr lang="en-US" dirty="0"/>
+              <a:t>color: black;</a:t>
+            </a:r>
+          </a:p>
+          <a:p>
+            <a:r>
+              <a:rPr lang="en-US" dirty="0"/>
+              <a:t>padding: 0.1em;</a:t>
+            </a:r>
+          </a:p>
+          <a:p>
+            <a:endParaRPr lang="en-US" dirty="0"/>
+          </a:p>
+          <a:p>
+            <a:r>
+              <a:rPr lang="en-US" dirty="0"/>
+              <a:t>}</a:t>
+            </a:r>
           </a:p>
         </p:txBody>
       </p:sp>
+      <p:pic>
+        <p:nvPicPr>
+          <p:cNvPr id="16" name="Picture 15">
+            <a:extLst>
+              <a:ext uri="{FF2B5EF4-FFF2-40B4-BE49-F238E27FC236}">
+                <a16:creationId xmlns:a16="http://schemas.microsoft.com/office/drawing/2014/main" id="{F1802223-0E04-4818-8D66-61C5EEDC7A31}"/>
+              </a:ext>
+            </a:extLst>
+          </p:cNvPr>
+          <p:cNvPicPr>
+            <a:picLocks noChangeAspect="1"/>
+          </p:cNvPicPr>
+          <p:nvPr/>
+        </p:nvPicPr>
+        <p:blipFill>
+          <a:blip r:embed="rId6"/>
+          <a:stretch>
+            <a:fillRect/>
+          </a:stretch>
+        </p:blipFill>
+        <p:spPr>
+          <a:xfrm>
+            <a:off x="8843589" y="6040301"/>
+            <a:ext cx="2110923" cy="426757"/>
+          </a:xfrm>
+          <a:prstGeom prst="rect">
+            <a:avLst/>
+          </a:prstGeom>
+        </p:spPr>
+      </p:pic>
     </p:spTree>
     <p:extLst>
       <p:ext uri="{BB962C8B-B14F-4D97-AF65-F5344CB8AC3E}">
@@ -18573,7 +19496,146 @@
 </p:sld>
 </file>
 
-<file path=ppt/slides/slide11.xml><?xml version="1.0" encoding="utf-8"?>
+<file path=ppt/slides/slide12.xml><?xml version="1.0" encoding="utf-8"?>
+<p:sld xmlns:a="http://schemas.openxmlformats.org/drawingml/2006/main" xmlns:r="http://schemas.openxmlformats.org/officeDocument/2006/relationships" xmlns:p="http://schemas.openxmlformats.org/presentationml/2006/main">
+  <p:cSld>
+    <p:spTree>
+      <p:nvGrpSpPr>
+        <p:cNvPr id="1" name=""/>
+        <p:cNvGrpSpPr/>
+        <p:nvPr/>
+      </p:nvGrpSpPr>
+      <p:grpSpPr>
+        <a:xfrm>
+          <a:off x="0" y="0"/>
+          <a:ext cx="0" cy="0"/>
+          <a:chOff x="0" y="0"/>
+          <a:chExt cx="0" cy="0"/>
+        </a:xfrm>
+      </p:grpSpPr>
+      <p:sp>
+        <p:nvSpPr>
+          <p:cNvPr id="2" name="Title 1">
+            <a:extLst>
+              <a:ext uri="{FF2B5EF4-FFF2-40B4-BE49-F238E27FC236}">
+                <a16:creationId xmlns:a16="http://schemas.microsoft.com/office/drawing/2014/main" id="{7A6F1D9A-CD18-416F-A7C9-63B3878DA7D7}"/>
+              </a:ext>
+            </a:extLst>
+          </p:cNvPr>
+          <p:cNvSpPr>
+            <a:spLocks noGrp="1"/>
+          </p:cNvSpPr>
+          <p:nvPr>
+            <p:ph type="title"/>
+          </p:nvPr>
+        </p:nvSpPr>
+        <p:spPr/>
+        <p:txBody>
+          <a:bodyPr/>
+          <a:lstStyle/>
+          <a:p>
+            <a:r>
+              <a:rPr lang="en-US" dirty="0"/>
+              <a:t>Important notes</a:t>
+            </a:r>
+          </a:p>
+        </p:txBody>
+      </p:sp>
+      <p:sp>
+        <p:nvSpPr>
+          <p:cNvPr id="3" name="Content Placeholder 2">
+            <a:extLst>
+              <a:ext uri="{FF2B5EF4-FFF2-40B4-BE49-F238E27FC236}">
+                <a16:creationId xmlns:a16="http://schemas.microsoft.com/office/drawing/2014/main" id="{9D5D3D7D-9357-465A-81F1-CB8FA36C4DF3}"/>
+              </a:ext>
+            </a:extLst>
+          </p:cNvPr>
+          <p:cNvSpPr>
+            <a:spLocks noGrp="1"/>
+          </p:cNvSpPr>
+          <p:nvPr>
+            <p:ph idx="1"/>
+          </p:nvPr>
+        </p:nvSpPr>
+        <p:spPr/>
+        <p:txBody>
+          <a:bodyPr/>
+          <a:lstStyle/>
+          <a:p>
+            <a:r>
+              <a:rPr lang="en-US" dirty="0"/>
+              <a:t>If you change some color or property that is locked in by the stylesheet provided by shiny, it may be useful to override it with:</a:t>
+            </a:r>
+          </a:p>
+          <a:p>
+            <a:r>
+              <a:rPr lang="en-US" dirty="0"/>
+              <a:t>color: blue</a:t>
+            </a:r>
+            <a:r>
+              <a:rPr lang="en-US" dirty="0">
+                <a:solidFill>
+                  <a:srgbClr val="FF0000"/>
+                </a:solidFill>
+              </a:rPr>
+              <a:t>!important</a:t>
+            </a:r>
+            <a:r>
+              <a:rPr lang="en-US" dirty="0"/>
+              <a:t>;</a:t>
+            </a:r>
+          </a:p>
+          <a:p>
+            <a:r>
+              <a:rPr lang="en-US" dirty="0"/>
+              <a:t>Another important point is that once you change and apply styles to one class of objects, they will all have those styles.</a:t>
+            </a:r>
+          </a:p>
+          <a:p>
+            <a:r>
+              <a:rPr lang="en-US" dirty="0"/>
+              <a:t>If this is not useful: </a:t>
+            </a:r>
+          </a:p>
+          <a:p>
+            <a:pPr lvl="1"/>
+            <a:r>
+              <a:rPr lang="en-US" dirty="0"/>
+              <a:t>Make a new class for the element you care about and style it using .new-class { }</a:t>
+            </a:r>
+          </a:p>
+          <a:p>
+            <a:pPr lvl="1"/>
+            <a:endParaRPr lang="en-US" dirty="0"/>
+          </a:p>
+          <a:p>
+            <a:r>
+              <a:rPr lang="en-US" dirty="0"/>
+              <a:t>Adding JavaScript, jQuery, and HTML follows some of the rules mentioned, but would deserve their own talk and are definitely worth checking into.</a:t>
+            </a:r>
+          </a:p>
+          <a:p>
+            <a:r>
+              <a:rPr lang="en-US" dirty="0"/>
+              <a:t>CSS is just more manageable for most people.</a:t>
+            </a:r>
+          </a:p>
+        </p:txBody>
+      </p:sp>
+    </p:spTree>
+    <p:extLst>
+      <p:ext uri="{BB962C8B-B14F-4D97-AF65-F5344CB8AC3E}">
+        <p14:creationId xmlns:p14="http://schemas.microsoft.com/office/powerpoint/2010/main" val="3534601184"/>
+      </p:ext>
+    </p:extLst>
+  </p:cSld>
+  <p:clrMapOvr>
+    <a:masterClrMapping/>
+  </p:clrMapOvr>
+</p:sld>
+</file>
+
+<file path=ppt/slides/slide13.xml><?xml version="1.0" encoding="utf-8"?>
 <p:sld xmlns:a="http://schemas.openxmlformats.org/drawingml/2006/main" xmlns:r="http://schemas.openxmlformats.org/officeDocument/2006/relationships" xmlns:p="http://schemas.openxmlformats.org/presentationml/2006/main">
   <p:cSld>
     <p:spTree>
@@ -18608,8 +19670,8 @@
         </p:nvSpPr>
         <p:spPr>
           <a:xfrm>
-            <a:off x="1261872" y="365760"/>
-            <a:ext cx="4834128" cy="1325562"/>
+            <a:off x="1261871" y="365760"/>
+            <a:ext cx="6879563" cy="1325562"/>
           </a:xfrm>
         </p:spPr>
         <p:txBody>
@@ -18653,7 +19715,7 @@
           <a:p>
             <a:r>
               <a:rPr lang="en-US" dirty="0"/>
-              <a:t>Your shiny applications can be published to online services like shinyapps.io where they can be accessed from most devices.</a:t>
+              <a:t>Your shiny applications can be published to online services like shinyapps.io where they can be accessed from most devices by anyone.</a:t>
             </a:r>
           </a:p>
           <a:p>
@@ -18685,6 +19747,10 @@
               <a:rPr lang="en-US" dirty="0"/>
               <a:t>You’ll have to check for your IP address using ipconfig or ifconfig then connect to the app via a webpage URL such as 192.168.1.107:5050</a:t>
             </a:r>
+          </a:p>
+          <a:p>
+            <a:pPr lvl="1"/>
+            <a:endParaRPr lang="en-US" dirty="0"/>
           </a:p>
           <a:p>
             <a:pPr lvl="1"/>
@@ -18744,7 +19810,7 @@
 </p:sld>
 </file>
 
-<file path=ppt/slides/slide12.xml><?xml version="1.0" encoding="utf-8"?>
+<file path=ppt/slides/slide14.xml><?xml version="1.0" encoding="utf-8"?>
 <p:sld xmlns:a="http://schemas.openxmlformats.org/drawingml/2006/main" xmlns:r="http://schemas.openxmlformats.org/officeDocument/2006/relationships" xmlns:p="http://schemas.openxmlformats.org/presentationml/2006/main">
   <p:cSld>
     <p:spTree>
@@ -19096,7 +20162,7 @@
 </p:sld>
 </file>
 
-<file path=ppt/slides/slide13.xml><?xml version="1.0" encoding="utf-8"?>
+<file path=ppt/slides/slide15.xml><?xml version="1.0" encoding="utf-8"?>
 <p:sld xmlns:a="http://schemas.openxmlformats.org/drawingml/2006/main" xmlns:r="http://schemas.openxmlformats.org/officeDocument/2006/relationships" xmlns:p="http://schemas.openxmlformats.org/presentationml/2006/main">
   <p:cSld>
     <p:bg>
@@ -19123,10 +20189,10 @@
       </p:grpSpPr>
       <p:sp>
         <p:nvSpPr>
-          <p:cNvPr id="17" name="Rectangle 16">
+          <p:cNvPr id="33" name="Rectangle 25">
             <a:extLst>
               <a:ext uri="{FF2B5EF4-FFF2-40B4-BE49-F238E27FC236}">
-                <a16:creationId xmlns:a16="http://schemas.microsoft.com/office/drawing/2014/main" id="{0E99ED6D-365F-4CAE-942F-ECA78F74BD7F}"/>
+                <a16:creationId xmlns:a16="http://schemas.microsoft.com/office/drawing/2014/main" id="{489AE6DA-A080-475C-BE02-EF343FBA6E55}"/>
               </a:ext>
               <a:ext uri="{C183D7F6-B498-43B3-948B-1728B52AA6E4}">
                 <adec:decorative xmlns:adec="http://schemas.microsoft.com/office/drawing/2017/decorative" val="1"/>
@@ -19180,10 +20246,10 @@
       </p:sp>
       <p:sp>
         <p:nvSpPr>
-          <p:cNvPr id="19" name="Rectangle 18">
+          <p:cNvPr id="34" name="Rectangle 27">
             <a:extLst>
               <a:ext uri="{FF2B5EF4-FFF2-40B4-BE49-F238E27FC236}">
-                <a16:creationId xmlns:a16="http://schemas.microsoft.com/office/drawing/2014/main" id="{F52E1877-3902-4B70-8515-0964EDC30C7D}"/>
+                <a16:creationId xmlns:a16="http://schemas.microsoft.com/office/drawing/2014/main" id="{25F07E98-835E-42CA-A38E-C5DCBFB467EF}"/>
               </a:ext>
               <a:ext uri="{C183D7F6-B498-43B3-948B-1728B52AA6E4}">
                 <adec:decorative xmlns:adec="http://schemas.microsoft.com/office/drawing/2017/decorative" val="1"/>
@@ -19243,10 +20309,10 @@
       </p:sp>
       <p:sp>
         <p:nvSpPr>
-          <p:cNvPr id="21" name="Rectangle 20">
+          <p:cNvPr id="35" name="Rectangle 29">
             <a:extLst>
               <a:ext uri="{FF2B5EF4-FFF2-40B4-BE49-F238E27FC236}">
-                <a16:creationId xmlns:a16="http://schemas.microsoft.com/office/drawing/2014/main" id="{D02A5863-EFF7-462C-8FF5-B710B33E2636}"/>
+                <a16:creationId xmlns:a16="http://schemas.microsoft.com/office/drawing/2014/main" id="{9A8CA288-31AA-42B8-9269-D421F39876B4}"/>
               </a:ext>
               <a:ext uri="{C183D7F6-B498-43B3-948B-1728B52AA6E4}">
                 <adec:decorative xmlns:adec="http://schemas.microsoft.com/office/drawing/2017/decorative" val="1"/>
@@ -19267,7 +20333,7 @@
         <p:spPr>
           <a:xfrm>
             <a:off x="477012" y="480060"/>
-            <a:ext cx="10333228" cy="5897880"/>
+            <a:ext cx="5005747" cy="5897880"/>
           </a:xfrm>
           <a:prstGeom prst="rect">
             <a:avLst/>
@@ -19313,7 +20379,107 @@
       </p:sp>
       <p:pic>
         <p:nvPicPr>
-          <p:cNvPr id="7" name="Content Placeholder 3">
+          <p:cNvPr id="2" name="Picture 1" descr="A screenshot of a cell phone&#10;&#10;Description automatically generated">
+            <a:extLst>
+              <a:ext uri="{FF2B5EF4-FFF2-40B4-BE49-F238E27FC236}">
+                <a16:creationId xmlns:a16="http://schemas.microsoft.com/office/drawing/2014/main" id="{63D659E7-2A38-4AD3-AC0B-C2CCB3DB68A3}"/>
+              </a:ext>
+            </a:extLst>
+          </p:cNvPr>
+          <p:cNvPicPr>
+            <a:picLocks noChangeAspect="1"/>
+          </p:cNvPicPr>
+          <p:nvPr/>
+        </p:nvPicPr>
+        <p:blipFill>
+          <a:blip r:embed="rId2"/>
+          <a:stretch>
+            <a:fillRect/>
+          </a:stretch>
+        </p:blipFill>
+        <p:spPr>
+          <a:xfrm>
+            <a:off x="1694370" y="643467"/>
+            <a:ext cx="2576618" cy="5571066"/>
+          </a:xfrm>
+          <a:prstGeom prst="rect">
+            <a:avLst/>
+          </a:prstGeom>
+        </p:spPr>
+      </p:pic>
+      <p:sp>
+        <p:nvSpPr>
+          <p:cNvPr id="32" name="Rectangle 31">
+            <a:extLst>
+              <a:ext uri="{FF2B5EF4-FFF2-40B4-BE49-F238E27FC236}">
+                <a16:creationId xmlns:a16="http://schemas.microsoft.com/office/drawing/2014/main" id="{A74B24B6-E323-4ADA-A090-543CDA975472}"/>
+              </a:ext>
+              <a:ext uri="{C183D7F6-B498-43B3-948B-1728B52AA6E4}">
+                <adec:decorative xmlns:adec="http://schemas.microsoft.com/office/drawing/2017/decorative" val="1"/>
+              </a:ext>
+            </a:extLst>
+          </p:cNvPr>
+          <p:cNvSpPr>
+            <a:spLocks noGrp="1" noRot="1" noChangeAspect="1" noMove="1" noResize="1" noEditPoints="1" noAdjustHandles="1" noChangeArrowheads="1" noChangeShapeType="1" noTextEdit="1"/>
+          </p:cNvSpPr>
+          <p:nvPr>
+            <p:extLst>
+              <p:ext uri="{386F3935-93C4-4BCD-93E2-E3B085C9AB24}">
+                <p16:designElem xmlns:p16="http://schemas.microsoft.com/office/powerpoint/2015/main" val="1"/>
+              </p:ext>
+            </p:extLst>
+          </p:nvPr>
+        </p:nvSpPr>
+        <p:spPr>
+          <a:xfrm>
+            <a:off x="5804492" y="480060"/>
+            <a:ext cx="5005747" cy="5897880"/>
+          </a:xfrm>
+          <a:prstGeom prst="rect">
+            <a:avLst/>
+          </a:prstGeom>
+          <a:solidFill>
+            <a:srgbClr val="FFFFFF"/>
+          </a:solidFill>
+          <a:ln w="9525">
+            <a:noFill/>
+          </a:ln>
+          <a:effectLst>
+            <a:outerShdw blurRad="63500" dist="17780" dir="5400000" algn="t" rotWithShape="0">
+              <a:prstClr val="black">
+                <a:alpha val="43000"/>
+              </a:prstClr>
+            </a:outerShdw>
+          </a:effectLst>
+        </p:spPr>
+        <p:style>
+          <a:lnRef idx="2">
+            <a:schemeClr val="accent1">
+              <a:shade val="50000"/>
+            </a:schemeClr>
+          </a:lnRef>
+          <a:fillRef idx="1">
+            <a:schemeClr val="accent1"/>
+          </a:fillRef>
+          <a:effectRef idx="0">
+            <a:schemeClr val="accent1"/>
+          </a:effectRef>
+          <a:fontRef idx="minor">
+            <a:schemeClr val="lt1"/>
+          </a:fontRef>
+        </p:style>
+        <p:txBody>
+          <a:bodyPr rtlCol="0" anchor="ctr"/>
+          <a:lstStyle/>
+          <a:p>
+            <a:pPr algn="ctr"/>
+            <a:endParaRPr lang="en-US"/>
+          </a:p>
+        </p:txBody>
+      </p:sp>
+      <p:pic>
+        <p:nvPicPr>
+          <p:cNvPr id="7" name="Content Placeholder 3" descr="A screenshot of a cell phone&#10;&#10;Description automatically generated">
             <a:extLst>
               <a:ext uri="{FF2B5EF4-FFF2-40B4-BE49-F238E27FC236}">
                 <a16:creationId xmlns:a16="http://schemas.microsoft.com/office/drawing/2014/main" id="{3E00A758-C81C-47AF-BED4-3AE13261B7DC}"/>
@@ -19328,14 +20494,14 @@
           </p:nvPr>
         </p:nvPicPr>
         <p:blipFill>
-          <a:blip r:embed="rId2"/>
+          <a:blip r:embed="rId3"/>
           <a:stretch>
             <a:fillRect/>
           </a:stretch>
         </p:blipFill>
         <p:spPr>
           <a:xfrm>
-            <a:off x="4309364" y="643467"/>
+            <a:off x="6973103" y="643467"/>
             <a:ext cx="2674112" cy="5571066"/>
           </a:xfrm>
           <a:prstGeom prst="rect">
@@ -19343,6 +20509,54 @@
           </a:prstGeom>
         </p:spPr>
       </p:pic>
+      <p:sp>
+        <p:nvSpPr>
+          <p:cNvPr id="3" name="Rectangle 2">
+            <a:extLst>
+              <a:ext uri="{FF2B5EF4-FFF2-40B4-BE49-F238E27FC236}">
+                <a16:creationId xmlns:a16="http://schemas.microsoft.com/office/drawing/2014/main" id="{D22070DD-8ED1-4F50-A61C-47CC4C19E6B9}"/>
+              </a:ext>
+            </a:extLst>
+          </p:cNvPr>
+          <p:cNvSpPr/>
+          <p:nvPr/>
+        </p:nvSpPr>
+        <p:spPr>
+          <a:xfrm>
+            <a:off x="4989829" y="2967335"/>
+            <a:ext cx="1313181" cy="923330"/>
+          </a:xfrm>
+          <a:prstGeom prst="rect">
+            <a:avLst/>
+          </a:prstGeom>
+          <a:noFill/>
+        </p:spPr>
+        <p:txBody>
+          <a:bodyPr wrap="none" lIns="91440" tIns="45720" rIns="91440" bIns="45720">
+            <a:spAutoFit/>
+          </a:bodyPr>
+          <a:lstStyle/>
+          <a:p>
+            <a:pPr algn="ctr"/>
+            <a:r>
+              <a:rPr lang="en-US" sz="5400" b="0" cap="none" spc="0" dirty="0">
+                <a:ln w="0"/>
+                <a:solidFill>
+                  <a:schemeClr val="tx1"/>
+                </a:solidFill>
+                <a:effectLst>
+                  <a:outerShdw blurRad="38100" dist="19050" dir="2700000" algn="tl" rotWithShape="0">
+                    <a:schemeClr val="dk1">
+                      <a:alpha val="40000"/>
+                    </a:schemeClr>
+                  </a:outerShdw>
+                </a:effectLst>
+              </a:rPr>
+              <a:t>VS.</a:t>
+            </a:r>
+          </a:p>
+        </p:txBody>
+      </p:sp>
     </p:spTree>
     <p:extLst>
       <p:ext uri="{BB962C8B-B14F-4D97-AF65-F5344CB8AC3E}">
@@ -19356,7 +20570,7 @@
 </p:sld>
 </file>
 
-<file path=ppt/slides/slide14.xml><?xml version="1.0" encoding="utf-8"?>
+<file path=ppt/slides/slide16.xml><?xml version="1.0" encoding="utf-8"?>
 <p:sld xmlns:a="http://schemas.openxmlformats.org/drawingml/2006/main" xmlns:r="http://schemas.openxmlformats.org/officeDocument/2006/relationships" xmlns:p="http://schemas.openxmlformats.org/presentationml/2006/main">
   <p:cSld>
     <p:spTree>
@@ -19422,6 +20636,30 @@
           <a:bodyPr/>
           <a:lstStyle/>
           <a:p>
+            <a:pPr marL="674370" lvl="1" indent="-400050">
+              <a:buFont typeface="+mj-lt"/>
+              <a:buAutoNum type="arabicPeriod"/>
+            </a:pPr>
+            <a:r>
+              <a:rPr lang="en-US" dirty="0"/>
+              <a:t>Showing and hiding plots.</a:t>
+            </a:r>
+          </a:p>
+          <a:p>
+            <a:pPr marL="674370" lvl="1" indent="-400050">
+              <a:buFont typeface="+mj-lt"/>
+              <a:buAutoNum type="arabicPeriod"/>
+            </a:pPr>
+            <a:r>
+              <a:rPr lang="en-US" dirty="0" err="1"/>
+              <a:t>Taglists</a:t>
+            </a:r>
+            <a:r>
+              <a:rPr lang="en-US" dirty="0"/>
+              <a:t> to plot multiple UI elements.</a:t>
+            </a:r>
+          </a:p>
+          <a:p>
             <a:r>
               <a:rPr lang="en-US" dirty="0"/>
               <a:t>Plot caching</a:t>
@@ -19430,15 +20668,7 @@
           <a:p>
             <a:r>
               <a:rPr lang="en-US" dirty="0"/>
-              <a:t>Pivot table and </a:t>
-            </a:r>
-            <a:r>
-              <a:rPr lang="en-US" dirty="0" err="1"/>
-              <a:t>scrollability</a:t>
-            </a:r>
-            <a:r>
-              <a:rPr lang="en-US" dirty="0"/>
-              <a:t>.</a:t>
+              <a:t>Pivot table and scrollability.</a:t>
             </a:r>
           </a:p>
           <a:p>
@@ -19458,8 +20688,17 @@
             </a:r>
             <a:r>
               <a:rPr lang="en-US" dirty="0"/>
-              <a:t>]]</a:t>
+              <a:t>]]?</a:t>
             </a:r>
+          </a:p>
+          <a:p>
+            <a:r>
+              <a:rPr lang="en-US" dirty="0"/>
+              <a:t>Maintaining a color theme.</a:t>
+            </a:r>
+          </a:p>
+          <a:p>
+            <a:endParaRPr lang="en-US" dirty="0"/>
           </a:p>
           <a:p>
             <a:endParaRPr lang="en-US" dirty="0"/>
@@ -19479,7 +20718,7 @@
 </p:sld>
 </file>
 
-<file path=ppt/slides/slide15.xml><?xml version="1.0" encoding="utf-8"?>
+<file path=ppt/slides/slide17.xml><?xml version="1.0" encoding="utf-8"?>
 <p:sld xmlns:a="http://schemas.openxmlformats.org/drawingml/2006/main" xmlns:r="http://schemas.openxmlformats.org/officeDocument/2006/relationships" xmlns:p="http://schemas.openxmlformats.org/presentationml/2006/main">
   <p:cSld>
     <p:spTree>
@@ -19512,7 +20751,12 @@
             <p:ph type="title"/>
           </p:nvPr>
         </p:nvSpPr>
-        <p:spPr/>
+        <p:spPr>
+          <a:xfrm>
+            <a:off x="1261871" y="365760"/>
+            <a:ext cx="10066035" cy="1325562"/>
+          </a:xfrm>
+        </p:spPr>
         <p:txBody>
           <a:bodyPr>
             <a:normAutofit/>
@@ -19528,7 +20772,7 @@
             </a:br>
             <a:r>
               <a:rPr lang="en-US" sz="3600" dirty="0"/>
-              <a:t>(Continuous Deployment and Integration.)</a:t>
+              <a:t>(Continuous Deployment and Integration)</a:t>
             </a:r>
             <a:endParaRPr lang="en-US" dirty="0"/>
           </a:p>
@@ -19552,7 +20796,9 @@
         </p:nvSpPr>
         <p:spPr/>
         <p:txBody>
-          <a:bodyPr/>
+          <a:bodyPr>
+            <a:normAutofit/>
+          </a:bodyPr>
           <a:lstStyle/>
           <a:p>
             <a:r>
@@ -19561,54 +20807,155 @@
             </a:r>
           </a:p>
           <a:p>
+            <a:pPr lvl="1"/>
             <a:r>
               <a:rPr lang="en-US" dirty="0"/>
               <a:t>YAML</a:t>
             </a:r>
           </a:p>
           <a:p>
-            <a:endParaRPr lang="en-US" dirty="0"/>
-          </a:p>
-          <a:p>
+            <a:pPr lvl="1"/>
             <a:r>
               <a:rPr lang="en-US" dirty="0"/>
-              <a:t>&gt; - Connect to *travis-ci.com?* using </a:t>
+              <a:t>Deploy script</a:t>
             </a:r>
-            <a:r>
-              <a:rPr lang="en-US" dirty="0" err="1"/>
-              <a:t>github</a:t>
-            </a:r>
+          </a:p>
+          <a:p>
+            <a:pPr lvl="1"/>
             <a:r>
               <a:rPr lang="en-US" dirty="0"/>
-              <a:t>.</a:t>
+              <a:t>Environmental Variables</a:t>
             </a:r>
           </a:p>
           <a:p>
             <a:r>
               <a:rPr lang="en-US" dirty="0"/>
-              <a:t>&gt; - setup specific foreign keys</a:t>
+              <a:t>Before starting, make sure to hook up your GitHub account with your Travis CI account and your shinyapps.io account.</a:t>
             </a:r>
           </a:p>
+        </p:txBody>
+      </p:sp>
+      <p:pic>
+        <p:nvPicPr>
+          <p:cNvPr id="6" name="Picture 5">
+            <a:extLst>
+              <a:ext uri="{FF2B5EF4-FFF2-40B4-BE49-F238E27FC236}">
+                <a16:creationId xmlns:a16="http://schemas.microsoft.com/office/drawing/2014/main" id="{DCD24A13-56D3-48D6-81C2-430AE2E79903}"/>
+              </a:ext>
+            </a:extLst>
+          </p:cNvPr>
+          <p:cNvPicPr>
+            <a:picLocks noChangeAspect="1"/>
+          </p:cNvPicPr>
+          <p:nvPr/>
+        </p:nvPicPr>
+        <p:blipFill>
+          <a:blip r:embed="rId2"/>
+          <a:stretch>
+            <a:fillRect/>
+          </a:stretch>
+        </p:blipFill>
+        <p:spPr>
+          <a:xfrm>
+            <a:off x="2425827" y="3895725"/>
+            <a:ext cx="6267450" cy="2705100"/>
+          </a:xfrm>
+          <a:prstGeom prst="rect">
+            <a:avLst/>
+          </a:prstGeom>
+        </p:spPr>
+        <p:style>
+          <a:lnRef idx="2">
+            <a:schemeClr val="accent6"/>
+          </a:lnRef>
+          <a:fillRef idx="1">
+            <a:schemeClr val="lt1"/>
+          </a:fillRef>
+          <a:effectRef idx="0">
+            <a:schemeClr val="accent6"/>
+          </a:effectRef>
+          <a:fontRef idx="minor">
+            <a:schemeClr val="dk1"/>
+          </a:fontRef>
+        </p:style>
+      </p:pic>
+      <p:pic>
+        <p:nvPicPr>
+          <p:cNvPr id="7" name="Picture 6">
+            <a:extLst>
+              <a:ext uri="{FF2B5EF4-FFF2-40B4-BE49-F238E27FC236}">
+                <a16:creationId xmlns:a16="http://schemas.microsoft.com/office/drawing/2014/main" id="{4BC1EE36-2759-41AB-ADBD-BF4DFA843217}"/>
+              </a:ext>
+            </a:extLst>
+          </p:cNvPr>
+          <p:cNvPicPr>
+            <a:picLocks noChangeAspect="1"/>
+          </p:cNvPicPr>
+          <p:nvPr/>
+        </p:nvPicPr>
+        <p:blipFill>
+          <a:blip r:embed="rId3"/>
+          <a:stretch>
+            <a:fillRect/>
+          </a:stretch>
+        </p:blipFill>
+        <p:spPr>
+          <a:xfrm>
+            <a:off x="6353734" y="6180137"/>
+            <a:ext cx="2339543" cy="381033"/>
+          </a:xfrm>
+          <a:prstGeom prst="rect">
+            <a:avLst/>
+          </a:prstGeom>
+        </p:spPr>
+      </p:pic>
+      <p:sp>
+        <p:nvSpPr>
+          <p:cNvPr id="8" name="Rectangle 7">
+            <a:extLst>
+              <a:ext uri="{FF2B5EF4-FFF2-40B4-BE49-F238E27FC236}">
+                <a16:creationId xmlns:a16="http://schemas.microsoft.com/office/drawing/2014/main" id="{04C22D6B-595E-4B92-AE34-F43E872F98FB}"/>
+              </a:ext>
+            </a:extLst>
+          </p:cNvPr>
+          <p:cNvSpPr/>
+          <p:nvPr/>
+        </p:nvSpPr>
+        <p:spPr>
+          <a:xfrm>
+            <a:off x="6410280" y="2370342"/>
+            <a:ext cx="2282997" cy="369332"/>
+          </a:xfrm>
+          <a:prstGeom prst="rect">
+            <a:avLst/>
+          </a:prstGeom>
+        </p:spPr>
+        <p:style>
+          <a:lnRef idx="2">
+            <a:schemeClr val="accent1">
+              <a:shade val="50000"/>
+            </a:schemeClr>
+          </a:lnRef>
+          <a:fillRef idx="1">
+            <a:schemeClr val="accent1"/>
+          </a:fillRef>
+          <a:effectRef idx="0">
+            <a:schemeClr val="accent1"/>
+          </a:effectRef>
+          <a:fontRef idx="minor">
+            <a:schemeClr val="lt1"/>
+          </a:fontRef>
+        </p:style>
+        <p:txBody>
+          <a:bodyPr wrap="none">
+            <a:spAutoFit/>
+          </a:bodyPr>
+          <a:lstStyle/>
           <a:p>
             <a:r>
               <a:rPr lang="en-US" dirty="0"/>
-              <a:t>&gt; - deployment script when run.</a:t>
+              <a:t>https://travis-ci.org</a:t>
             </a:r>
-          </a:p>
-          <a:p>
-            <a:r>
-              <a:rPr lang="en-US" dirty="0"/>
-              <a:t>&gt; - </a:t>
-            </a:r>
-            <a:r>
-              <a:rPr lang="en-US" dirty="0" err="1"/>
-              <a:t>yaml</a:t>
-            </a:r>
-            <a:r>
-              <a:rPr lang="en-US"/>
-              <a:t> file.</a:t>
-            </a:r>
-            <a:endParaRPr lang="en-US" dirty="0"/>
           </a:p>
         </p:txBody>
       </p:sp>
@@ -19616,6 +20963,425 @@
     <p:extLst>
       <p:ext uri="{BB962C8B-B14F-4D97-AF65-F5344CB8AC3E}">
         <p14:creationId xmlns:p14="http://schemas.microsoft.com/office/powerpoint/2010/main" val="1796206158"/>
+      </p:ext>
+    </p:extLst>
+  </p:cSld>
+  <p:clrMapOvr>
+    <a:masterClrMapping/>
+  </p:clrMapOvr>
+</p:sld>
+</file>
+
+<file path=ppt/slides/slide18.xml><?xml version="1.0" encoding="utf-8"?>
+<p:sld xmlns:a="http://schemas.openxmlformats.org/drawingml/2006/main" xmlns:r="http://schemas.openxmlformats.org/officeDocument/2006/relationships" xmlns:p="http://schemas.openxmlformats.org/presentationml/2006/main">
+  <p:cSld>
+    <p:spTree>
+      <p:nvGrpSpPr>
+        <p:cNvPr id="1" name=""/>
+        <p:cNvGrpSpPr/>
+        <p:nvPr/>
+      </p:nvGrpSpPr>
+      <p:grpSpPr>
+        <a:xfrm>
+          <a:off x="0" y="0"/>
+          <a:ext cx="0" cy="0"/>
+          <a:chOff x="0" y="0"/>
+          <a:chExt cx="0" cy="0"/>
+        </a:xfrm>
+      </p:grpSpPr>
+      <p:sp>
+        <p:nvSpPr>
+          <p:cNvPr id="2" name="Title 1">
+            <a:extLst>
+              <a:ext uri="{FF2B5EF4-FFF2-40B4-BE49-F238E27FC236}">
+                <a16:creationId xmlns:a16="http://schemas.microsoft.com/office/drawing/2014/main" id="{DF2A438D-FB3F-440E-8B5A-BECEB800F537}"/>
+              </a:ext>
+            </a:extLst>
+          </p:cNvPr>
+          <p:cNvSpPr>
+            <a:spLocks noGrp="1"/>
+          </p:cNvSpPr>
+          <p:nvPr>
+            <p:ph type="title"/>
+          </p:nvPr>
+        </p:nvSpPr>
+        <p:spPr/>
+        <p:txBody>
+          <a:bodyPr/>
+          <a:lstStyle/>
+          <a:p>
+            <a:r>
+              <a:rPr lang="en-US" dirty="0"/>
+              <a:t>Deploy script (</a:t>
+            </a:r>
+            <a:r>
+              <a:rPr lang="en-US" dirty="0" err="1"/>
+              <a:t>deploy.R</a:t>
+            </a:r>
+            <a:r>
+              <a:rPr lang="en-US" dirty="0"/>
+              <a:t>)</a:t>
+            </a:r>
+          </a:p>
+        </p:txBody>
+      </p:sp>
+      <p:sp>
+        <p:nvSpPr>
+          <p:cNvPr id="3" name="Content Placeholder 2">
+            <a:extLst>
+              <a:ext uri="{FF2B5EF4-FFF2-40B4-BE49-F238E27FC236}">
+                <a16:creationId xmlns:a16="http://schemas.microsoft.com/office/drawing/2014/main" id="{550E96CB-B70E-43B6-BA39-1FE63BAFD0C0}"/>
+              </a:ext>
+            </a:extLst>
+          </p:cNvPr>
+          <p:cNvSpPr>
+            <a:spLocks noGrp="1"/>
+          </p:cNvSpPr>
+          <p:nvPr>
+            <p:ph idx="1"/>
+          </p:nvPr>
+        </p:nvSpPr>
+        <p:spPr/>
+        <p:txBody>
+          <a:bodyPr/>
+          <a:lstStyle/>
+          <a:p>
+            <a:r>
+              <a:rPr lang="en-US" dirty="0"/>
+              <a:t>Doesn’t have to be much more than</a:t>
+            </a:r>
+          </a:p>
+          <a:p>
+            <a:endParaRPr lang="en-US" dirty="0"/>
+          </a:p>
+          <a:p>
+            <a:endParaRPr lang="en-US" dirty="0"/>
+          </a:p>
+          <a:p>
+            <a:endParaRPr lang="en-US" dirty="0"/>
+          </a:p>
+          <a:p>
+            <a:endParaRPr lang="en-US" dirty="0"/>
+          </a:p>
+          <a:p>
+            <a:r>
+              <a:rPr lang="en-US" dirty="0"/>
+              <a:t>Note the commented-out package_check.R file. </a:t>
+            </a:r>
+          </a:p>
+          <a:p>
+            <a:pPr lvl="1"/>
+            <a:r>
+              <a:rPr lang="en-US" dirty="0"/>
+              <a:t>These packages will be installed based on the YAML config file.</a:t>
+            </a:r>
+          </a:p>
+          <a:p>
+            <a:pPr lvl="2"/>
+            <a:r>
+              <a:rPr lang="en-US" dirty="0"/>
+              <a:t>That’s shown next.</a:t>
+            </a:r>
+          </a:p>
+          <a:p>
+            <a:endParaRPr lang="en-US" dirty="0"/>
+          </a:p>
+        </p:txBody>
+      </p:sp>
+      <p:pic>
+        <p:nvPicPr>
+          <p:cNvPr id="5" name="Picture 4">
+            <a:extLst>
+              <a:ext uri="{FF2B5EF4-FFF2-40B4-BE49-F238E27FC236}">
+                <a16:creationId xmlns:a16="http://schemas.microsoft.com/office/drawing/2014/main" id="{841DE1FE-0485-4512-A8F9-6D39DF4D8558}"/>
+              </a:ext>
+            </a:extLst>
+          </p:cNvPr>
+          <p:cNvPicPr>
+            <a:picLocks noChangeAspect="1"/>
+          </p:cNvPicPr>
+          <p:nvPr/>
+        </p:nvPicPr>
+        <p:blipFill>
+          <a:blip r:embed="rId2"/>
+          <a:stretch>
+            <a:fillRect/>
+          </a:stretch>
+        </p:blipFill>
+        <p:spPr>
+          <a:xfrm>
+            <a:off x="2409406" y="2293563"/>
+            <a:ext cx="4839119" cy="1318374"/>
+          </a:xfrm>
+          <a:prstGeom prst="rect">
+            <a:avLst/>
+          </a:prstGeom>
+        </p:spPr>
+      </p:pic>
+    </p:spTree>
+    <p:extLst>
+      <p:ext uri="{BB962C8B-B14F-4D97-AF65-F5344CB8AC3E}">
+        <p14:creationId xmlns:p14="http://schemas.microsoft.com/office/powerpoint/2010/main" val="2925606433"/>
+      </p:ext>
+    </p:extLst>
+  </p:cSld>
+  <p:clrMapOvr>
+    <a:masterClrMapping/>
+  </p:clrMapOvr>
+</p:sld>
+</file>
+
+<file path=ppt/slides/slide19.xml><?xml version="1.0" encoding="utf-8"?>
+<p:sld xmlns:a="http://schemas.openxmlformats.org/drawingml/2006/main" xmlns:r="http://schemas.openxmlformats.org/officeDocument/2006/relationships" xmlns:p="http://schemas.openxmlformats.org/presentationml/2006/main">
+  <p:cSld>
+    <p:bg>
+      <p:bgPr>
+        <a:solidFill>
+          <a:schemeClr val="bg1"/>
+        </a:solidFill>
+        <a:effectLst/>
+      </p:bgPr>
+    </p:bg>
+    <p:spTree>
+      <p:nvGrpSpPr>
+        <p:cNvPr id="1" name=""/>
+        <p:cNvGrpSpPr/>
+        <p:nvPr/>
+      </p:nvGrpSpPr>
+      <p:grpSpPr>
+        <a:xfrm>
+          <a:off x="0" y="0"/>
+          <a:ext cx="0" cy="0"/>
+          <a:chOff x="0" y="0"/>
+          <a:chExt cx="0" cy="0"/>
+        </a:xfrm>
+      </p:grpSpPr>
+      <p:sp>
+        <p:nvSpPr>
+          <p:cNvPr id="2" name="Title 1">
+            <a:extLst>
+              <a:ext uri="{FF2B5EF4-FFF2-40B4-BE49-F238E27FC236}">
+                <a16:creationId xmlns:a16="http://schemas.microsoft.com/office/drawing/2014/main" id="{386D7B98-996B-464F-9753-37045039261F}"/>
+              </a:ext>
+            </a:extLst>
+          </p:cNvPr>
+          <p:cNvSpPr>
+            <a:spLocks noGrp="1"/>
+          </p:cNvSpPr>
+          <p:nvPr>
+            <p:ph type="title"/>
+          </p:nvPr>
+        </p:nvSpPr>
+        <p:spPr>
+          <a:xfrm>
+            <a:off x="4965290" y="365760"/>
+            <a:ext cx="5997678" cy="1325562"/>
+          </a:xfrm>
+        </p:spPr>
+        <p:txBody>
+          <a:bodyPr>
+            <a:normAutofit/>
+          </a:bodyPr>
+          <a:lstStyle/>
+          <a:p>
+            <a:r>
+              <a:rPr lang="en-US" dirty="0"/>
+              <a:t>.</a:t>
+            </a:r>
+            <a:r>
+              <a:rPr lang="en-US" dirty="0" err="1"/>
+              <a:t>travis.yml</a:t>
+            </a:r>
+            <a:r>
+              <a:rPr lang="en-US" dirty="0"/>
+              <a:t> file</a:t>
+            </a:r>
+          </a:p>
+        </p:txBody>
+      </p:sp>
+      <p:pic>
+        <p:nvPicPr>
+          <p:cNvPr id="5" name="Picture 4">
+            <a:extLst>
+              <a:ext uri="{FF2B5EF4-FFF2-40B4-BE49-F238E27FC236}">
+                <a16:creationId xmlns:a16="http://schemas.microsoft.com/office/drawing/2014/main" id="{EBD8376F-0A6F-4140-9AEE-E37918E4A8EB}"/>
+              </a:ext>
+            </a:extLst>
+          </p:cNvPr>
+          <p:cNvPicPr>
+            <a:picLocks noChangeAspect="1"/>
+          </p:cNvPicPr>
+          <p:nvPr/>
+        </p:nvPicPr>
+        <p:blipFill>
+          <a:blip r:embed="rId2"/>
+          <a:stretch>
+            <a:fillRect/>
+          </a:stretch>
+        </p:blipFill>
+        <p:spPr>
+          <a:xfrm>
+            <a:off x="1514476" y="184694"/>
+            <a:ext cx="2258358" cy="6498874"/>
+          </a:xfrm>
+          <a:prstGeom prst="rect">
+            <a:avLst/>
+          </a:prstGeom>
+        </p:spPr>
+      </p:pic>
+      <p:sp>
+        <p:nvSpPr>
+          <p:cNvPr id="3" name="Content Placeholder 2">
+            <a:extLst>
+              <a:ext uri="{FF2B5EF4-FFF2-40B4-BE49-F238E27FC236}">
+                <a16:creationId xmlns:a16="http://schemas.microsoft.com/office/drawing/2014/main" id="{A4C255F3-7C0A-4747-9EC1-6CB157F371A3}"/>
+              </a:ext>
+            </a:extLst>
+          </p:cNvPr>
+          <p:cNvSpPr>
+            <a:spLocks noGrp="1"/>
+          </p:cNvSpPr>
+          <p:nvPr>
+            <p:ph idx="1"/>
+          </p:nvPr>
+        </p:nvSpPr>
+        <p:spPr>
+          <a:xfrm>
+            <a:off x="4965290" y="1828800"/>
+            <a:ext cx="6015571" cy="4351337"/>
+          </a:xfrm>
+        </p:spPr>
+        <p:txBody>
+          <a:bodyPr>
+            <a:normAutofit/>
+          </a:bodyPr>
+          <a:lstStyle/>
+          <a:p>
+            <a:r>
+              <a:rPr lang="en-US" dirty="0"/>
+              <a:t>Simple file specifying to Travis-CI what to install.</a:t>
+            </a:r>
+          </a:p>
+          <a:p>
+            <a:r>
+              <a:rPr lang="en-US" dirty="0"/>
+              <a:t>R version and package versions can be specified.</a:t>
+            </a:r>
+          </a:p>
+          <a:p>
+            <a:r>
+              <a:rPr lang="en-US" dirty="0"/>
+              <a:t>Last entry in the list is the deploy script to upload and re-deploy the app.</a:t>
+            </a:r>
+          </a:p>
+          <a:p>
+            <a:r>
+              <a:rPr lang="en-US" dirty="0"/>
+              <a:t>Another Requirement:</a:t>
+            </a:r>
+          </a:p>
+          <a:p>
+            <a:r>
+              <a:rPr lang="en-US" dirty="0"/>
+              <a:t>A DESCRIPTION file:</a:t>
+            </a:r>
+          </a:p>
+          <a:p>
+            <a:endParaRPr lang="en-US" dirty="0"/>
+          </a:p>
+        </p:txBody>
+      </p:sp>
+      <p:sp>
+        <p:nvSpPr>
+          <p:cNvPr id="14" name="Rectangle 13">
+            <a:extLst>
+              <a:ext uri="{FF2B5EF4-FFF2-40B4-BE49-F238E27FC236}">
+                <a16:creationId xmlns:a16="http://schemas.microsoft.com/office/drawing/2014/main" id="{A2FFD204-9513-46ED-A011-B101ED6622CA}"/>
+              </a:ext>
+              <a:ext uri="{C183D7F6-B498-43B3-948B-1728B52AA6E4}">
+                <adec:decorative xmlns:adec="http://schemas.microsoft.com/office/drawing/2017/decorative" val="1"/>
+              </a:ext>
+            </a:extLst>
+          </p:cNvPr>
+          <p:cNvSpPr>
+            <a:spLocks noGrp="1" noRot="1" noChangeAspect="1" noMove="1" noResize="1" noEditPoints="1" noAdjustHandles="1" noChangeArrowheads="1" noChangeShapeType="1" noTextEdit="1"/>
+          </p:cNvSpPr>
+          <p:nvPr>
+            <p:extLst>
+              <p:ext uri="{386F3935-93C4-4BCD-93E2-E3B085C9AB24}">
+                <p16:designElem xmlns:p16="http://schemas.microsoft.com/office/powerpoint/2015/main" val="1"/>
+              </p:ext>
+            </p:extLst>
+          </p:nvPr>
+        </p:nvSpPr>
+        <p:spPr>
+          <a:xfrm>
+            <a:off x="11292840" y="0"/>
+            <a:ext cx="914400" cy="6858000"/>
+          </a:xfrm>
+          <a:prstGeom prst="rect">
+            <a:avLst/>
+          </a:prstGeom>
+          <a:solidFill>
+            <a:schemeClr val="tx2">
+              <a:lumMod val="75000"/>
+              <a:alpha val="90000"/>
+            </a:schemeClr>
+          </a:solidFill>
+          <a:ln>
+            <a:noFill/>
+          </a:ln>
+        </p:spPr>
+        <p:style>
+          <a:lnRef idx="2">
+            <a:schemeClr val="accent1">
+              <a:shade val="50000"/>
+            </a:schemeClr>
+          </a:lnRef>
+          <a:fillRef idx="1">
+            <a:schemeClr val="accent1"/>
+          </a:fillRef>
+          <a:effectRef idx="0">
+            <a:schemeClr val="accent1"/>
+          </a:effectRef>
+          <a:fontRef idx="minor">
+            <a:schemeClr val="lt1"/>
+          </a:fontRef>
+        </p:style>
+      </p:sp>
+      <p:pic>
+        <p:nvPicPr>
+          <p:cNvPr id="6" name="Picture 5">
+            <a:extLst>
+              <a:ext uri="{FF2B5EF4-FFF2-40B4-BE49-F238E27FC236}">
+                <a16:creationId xmlns:a16="http://schemas.microsoft.com/office/drawing/2014/main" id="{67D5E104-BF6A-4895-AAFD-47AE7491AF7F}"/>
+              </a:ext>
+            </a:extLst>
+          </p:cNvPr>
+          <p:cNvPicPr>
+            <a:picLocks noChangeAspect="1"/>
+          </p:cNvPicPr>
+          <p:nvPr/>
+        </p:nvPicPr>
+        <p:blipFill rotWithShape="1">
+          <a:blip r:embed="rId3"/>
+          <a:srcRect r="62859"/>
+          <a:stretch/>
+        </p:blipFill>
+        <p:spPr>
+          <a:xfrm>
+            <a:off x="4965290" y="4305110"/>
+            <a:ext cx="3498396" cy="2187130"/>
+          </a:xfrm>
+          <a:prstGeom prst="rect">
+            <a:avLst/>
+          </a:prstGeom>
+        </p:spPr>
+      </p:pic>
+    </p:spTree>
+    <p:extLst>
+      <p:ext uri="{BB962C8B-B14F-4D97-AF65-F5344CB8AC3E}">
+        <p14:creationId xmlns:p14="http://schemas.microsoft.com/office/powerpoint/2010/main" val="385605193"/>
       </p:ext>
     </p:extLst>
   </p:cSld>
@@ -19689,7 +21455,7 @@
         <p:spPr/>
         <p:txBody>
           <a:bodyPr>
-            <a:normAutofit fontScale="92500" lnSpcReduction="20000"/>
+            <a:normAutofit/>
           </a:bodyPr>
           <a:lstStyle/>
           <a:p>
@@ -19723,26 +21489,6 @@
             </a:r>
           </a:p>
           <a:p>
-            <a:pPr marL="674370" lvl="1" indent="-400050">
-              <a:buFont typeface="+mj-lt"/>
-              <a:buAutoNum type="arabicPeriod"/>
-            </a:pPr>
-            <a:r>
-              <a:rPr lang="en-US" dirty="0"/>
-              <a:t>Maintaining a color theme.</a:t>
-            </a:r>
-          </a:p>
-          <a:p>
-            <a:pPr marL="674370" lvl="1" indent="-400050">
-              <a:buFont typeface="+mj-lt"/>
-              <a:buAutoNum type="arabicPeriod"/>
-            </a:pPr>
-            <a:r>
-              <a:rPr lang="en-US" dirty="0"/>
-              <a:t>Hover and gradients.</a:t>
-            </a:r>
-          </a:p>
-          <a:p>
             <a:pPr marL="400050" indent="-400050">
               <a:buFont typeface="+mj-lt"/>
               <a:buAutoNum type="arabicPeriod"/>
@@ -19753,30 +21499,6 @@
             </a:r>
           </a:p>
           <a:p>
-            <a:pPr marL="674370" lvl="1" indent="-400050">
-              <a:buFont typeface="+mj-lt"/>
-              <a:buAutoNum type="arabicPeriod"/>
-            </a:pPr>
-            <a:r>
-              <a:rPr lang="en-US" dirty="0"/>
-              <a:t>Showing and hiding plots.</a:t>
-            </a:r>
-          </a:p>
-          <a:p>
-            <a:pPr marL="674370" lvl="1" indent="-400050">
-              <a:buFont typeface="+mj-lt"/>
-              <a:buAutoNum type="arabicPeriod"/>
-            </a:pPr>
-            <a:r>
-              <a:rPr lang="en-US" dirty="0" err="1"/>
-              <a:t>Taglists</a:t>
-            </a:r>
-            <a:r>
-              <a:rPr lang="en-US" dirty="0"/>
-              <a:t> to plot multiple UI elements.</a:t>
-            </a:r>
-          </a:p>
-          <a:p>
             <a:pPr marL="400050" indent="-400050">
               <a:buFont typeface="+mj-lt"/>
               <a:buAutoNum type="arabicPeriod"/>
@@ -19784,62 +21506,6 @@
             <a:r>
               <a:rPr lang="en-US" dirty="0"/>
               <a:t>Smaller Tips</a:t>
-            </a:r>
-          </a:p>
-          <a:p>
-            <a:pPr marL="674370" lvl="1" indent="-400050">
-              <a:buFont typeface="+mj-lt"/>
-              <a:buAutoNum type="arabicPeriod"/>
-            </a:pPr>
-            <a:r>
-              <a:rPr lang="en-US" dirty="0"/>
-              <a:t>Plot caching.</a:t>
-            </a:r>
-          </a:p>
-          <a:p>
-            <a:pPr marL="674370" lvl="1" indent="-400050">
-              <a:buFont typeface="+mj-lt"/>
-              <a:buAutoNum type="arabicPeriod"/>
-            </a:pPr>
-            <a:r>
-              <a:rPr lang="en-US" dirty="0"/>
-              <a:t>Pivot table and </a:t>
-            </a:r>
-            <a:r>
-              <a:rPr lang="en-US" dirty="0" err="1"/>
-              <a:t>scrollability</a:t>
-            </a:r>
-            <a:r>
-              <a:rPr lang="en-US" dirty="0"/>
-              <a:t>.</a:t>
-            </a:r>
-          </a:p>
-          <a:p>
-            <a:pPr marL="674370" lvl="1" indent="-400050">
-              <a:buFont typeface="+mj-lt"/>
-              <a:buAutoNum type="arabicPeriod"/>
-            </a:pPr>
-            <a:r>
-              <a:rPr lang="en-US" dirty="0"/>
-              <a:t>Highlighting information using KPI boxes.</a:t>
-            </a:r>
-          </a:p>
-          <a:p>
-            <a:pPr marL="674370" lvl="1" indent="-400050">
-              <a:buFont typeface="+mj-lt"/>
-              <a:buAutoNum type="arabicPeriod"/>
-            </a:pPr>
-            <a:r>
-              <a:rPr lang="en-US" dirty="0"/>
-              <a:t>[[</a:t>
-            </a:r>
-            <a:r>
-              <a:rPr lang="en-US" dirty="0" err="1"/>
-              <a:t>ShinyWidgets</a:t>
-            </a:r>
-            <a:r>
-              <a:rPr lang="en-US" dirty="0"/>
-              <a:t>]]</a:t>
             </a:r>
           </a:p>
           <a:p>
@@ -19888,9 +21554,870 @@
 </p:sld>
 </file>
 
+<file path=ppt/slides/slide20.xml><?xml version="1.0" encoding="utf-8"?>
+<p:sld xmlns:a="http://schemas.openxmlformats.org/drawingml/2006/main" xmlns:r="http://schemas.openxmlformats.org/officeDocument/2006/relationships" xmlns:p="http://schemas.openxmlformats.org/presentationml/2006/main">
+  <p:cSld>
+    <p:spTree>
+      <p:nvGrpSpPr>
+        <p:cNvPr id="1" name=""/>
+        <p:cNvGrpSpPr/>
+        <p:nvPr/>
+      </p:nvGrpSpPr>
+      <p:grpSpPr>
+        <a:xfrm>
+          <a:off x="0" y="0"/>
+          <a:ext cx="0" cy="0"/>
+          <a:chOff x="0" y="0"/>
+          <a:chExt cx="0" cy="0"/>
+        </a:xfrm>
+      </p:grpSpPr>
+      <p:pic>
+        <p:nvPicPr>
+          <p:cNvPr id="4" name="Picture 3">
+            <a:extLst>
+              <a:ext uri="{FF2B5EF4-FFF2-40B4-BE49-F238E27FC236}">
+                <a16:creationId xmlns:a16="http://schemas.microsoft.com/office/drawing/2014/main" id="{11ECA81A-FF1F-4589-8C88-4C9BBF5CD85B}"/>
+              </a:ext>
+            </a:extLst>
+          </p:cNvPr>
+          <p:cNvPicPr>
+            <a:picLocks noChangeAspect="1"/>
+          </p:cNvPicPr>
+          <p:nvPr/>
+        </p:nvPicPr>
+        <p:blipFill>
+          <a:blip r:embed="rId2"/>
+          <a:stretch>
+            <a:fillRect/>
+          </a:stretch>
+        </p:blipFill>
+        <p:spPr>
+          <a:xfrm>
+            <a:off x="0" y="2828925"/>
+            <a:ext cx="11265763" cy="4029075"/>
+          </a:xfrm>
+          <a:prstGeom prst="rect">
+            <a:avLst/>
+          </a:prstGeom>
+        </p:spPr>
+      </p:pic>
+      <p:sp>
+        <p:nvSpPr>
+          <p:cNvPr id="3" name="Content Placeholder 2">
+            <a:extLst>
+              <a:ext uri="{FF2B5EF4-FFF2-40B4-BE49-F238E27FC236}">
+                <a16:creationId xmlns:a16="http://schemas.microsoft.com/office/drawing/2014/main" id="{E54D357C-62B4-4158-A76B-F325183DC262}"/>
+              </a:ext>
+            </a:extLst>
+          </p:cNvPr>
+          <p:cNvSpPr>
+            <a:spLocks noGrp="1"/>
+          </p:cNvSpPr>
+          <p:nvPr>
+            <p:ph idx="1"/>
+          </p:nvPr>
+        </p:nvSpPr>
+        <p:spPr>
+          <a:xfrm>
+            <a:off x="1261872" y="1828800"/>
+            <a:ext cx="8595360" cy="4351337"/>
+          </a:xfrm>
+        </p:spPr>
+        <p:txBody>
+          <a:bodyPr/>
+          <a:lstStyle/>
+          <a:p>
+            <a:r>
+              <a:rPr lang="en-US"/>
+              <a:t>You want to keep these private, otherwise anyone can publish anything to your account on shinyapps.io:</a:t>
+            </a:r>
+          </a:p>
+          <a:p>
+            <a:r>
+              <a:rPr lang="en-US"/>
+              <a:t>Found and editable on Travis CI settings of your repo.</a:t>
+            </a:r>
+            <a:endParaRPr lang="en-US" dirty="0"/>
+          </a:p>
+        </p:txBody>
+      </p:sp>
+      <p:sp>
+        <p:nvSpPr>
+          <p:cNvPr id="2" name="Title 1">
+            <a:extLst>
+              <a:ext uri="{FF2B5EF4-FFF2-40B4-BE49-F238E27FC236}">
+                <a16:creationId xmlns:a16="http://schemas.microsoft.com/office/drawing/2014/main" id="{08393DF9-A641-449B-BB57-5EC1427C9365}"/>
+              </a:ext>
+            </a:extLst>
+          </p:cNvPr>
+          <p:cNvSpPr>
+            <a:spLocks noGrp="1"/>
+          </p:cNvSpPr>
+          <p:nvPr>
+            <p:ph type="title"/>
+          </p:nvPr>
+        </p:nvSpPr>
+        <p:spPr>
+          <a:xfrm>
+            <a:off x="1261872" y="365760"/>
+            <a:ext cx="9692640" cy="1325562"/>
+          </a:xfrm>
+        </p:spPr>
+        <p:txBody>
+          <a:bodyPr/>
+          <a:lstStyle/>
+          <a:p>
+            <a:r>
+              <a:rPr lang="en-US"/>
+              <a:t>Environmental Variables</a:t>
+            </a:r>
+            <a:endParaRPr lang="en-US" dirty="0"/>
+          </a:p>
+        </p:txBody>
+      </p:sp>
+    </p:spTree>
+    <p:extLst>
+      <p:ext uri="{BB962C8B-B14F-4D97-AF65-F5344CB8AC3E}">
+        <p14:creationId xmlns:p14="http://schemas.microsoft.com/office/powerpoint/2010/main" val="4264072946"/>
+      </p:ext>
+    </p:extLst>
+  </p:cSld>
+  <p:clrMapOvr>
+    <a:masterClrMapping/>
+  </p:clrMapOvr>
+</p:sld>
+</file>
+
+<file path=ppt/slides/slide21.xml><?xml version="1.0" encoding="utf-8"?>
+<p:sld xmlns:a="http://schemas.openxmlformats.org/drawingml/2006/main" xmlns:r="http://schemas.openxmlformats.org/officeDocument/2006/relationships" xmlns:p="http://schemas.openxmlformats.org/presentationml/2006/main">
+  <p:cSld>
+    <p:spTree>
+      <p:nvGrpSpPr>
+        <p:cNvPr id="1" name=""/>
+        <p:cNvGrpSpPr/>
+        <p:nvPr/>
+      </p:nvGrpSpPr>
+      <p:grpSpPr>
+        <a:xfrm>
+          <a:off x="0" y="0"/>
+          <a:ext cx="0" cy="0"/>
+          <a:chOff x="0" y="0"/>
+          <a:chExt cx="0" cy="0"/>
+        </a:xfrm>
+      </p:grpSpPr>
+      <p:sp>
+        <p:nvSpPr>
+          <p:cNvPr id="3" name="Content Placeholder 2">
+            <a:extLst>
+              <a:ext uri="{FF2B5EF4-FFF2-40B4-BE49-F238E27FC236}">
+                <a16:creationId xmlns:a16="http://schemas.microsoft.com/office/drawing/2014/main" id="{E54D357C-62B4-4158-A76B-F325183DC262}"/>
+              </a:ext>
+            </a:extLst>
+          </p:cNvPr>
+          <p:cNvSpPr>
+            <a:spLocks noGrp="1"/>
+          </p:cNvSpPr>
+          <p:nvPr>
+            <p:ph idx="1"/>
+          </p:nvPr>
+        </p:nvSpPr>
+        <p:spPr>
+          <a:xfrm>
+            <a:off x="1261872" y="1828801"/>
+            <a:ext cx="8595360" cy="1600200"/>
+          </a:xfrm>
+        </p:spPr>
+        <p:txBody>
+          <a:bodyPr/>
+          <a:lstStyle/>
+          <a:p>
+            <a:r>
+              <a:rPr lang="en-US" dirty="0">
+                <a:solidFill>
+                  <a:schemeClr val="bg1">
+                    <a:lumMod val="75000"/>
+                  </a:schemeClr>
+                </a:solidFill>
+              </a:rPr>
+              <a:t>You want to keep these private, otherwise anyone can publish anything to your account on shinyapps.io:</a:t>
+            </a:r>
+          </a:p>
+          <a:p>
+            <a:r>
+              <a:rPr lang="en-US" dirty="0">
+                <a:solidFill>
+                  <a:schemeClr val="bg1">
+                    <a:lumMod val="75000"/>
+                  </a:schemeClr>
+                </a:solidFill>
+              </a:rPr>
+              <a:t>Found and editable on Travis CI settings of your repo.</a:t>
+            </a:r>
+          </a:p>
+        </p:txBody>
+      </p:sp>
+      <p:sp>
+        <p:nvSpPr>
+          <p:cNvPr id="2" name="Title 1">
+            <a:extLst>
+              <a:ext uri="{FF2B5EF4-FFF2-40B4-BE49-F238E27FC236}">
+                <a16:creationId xmlns:a16="http://schemas.microsoft.com/office/drawing/2014/main" id="{08393DF9-A641-449B-BB57-5EC1427C9365}"/>
+              </a:ext>
+            </a:extLst>
+          </p:cNvPr>
+          <p:cNvSpPr>
+            <a:spLocks noGrp="1"/>
+          </p:cNvSpPr>
+          <p:nvPr>
+            <p:ph type="title"/>
+          </p:nvPr>
+        </p:nvSpPr>
+        <p:spPr>
+          <a:xfrm>
+            <a:off x="1261872" y="365760"/>
+            <a:ext cx="9692640" cy="1325562"/>
+          </a:xfrm>
+        </p:spPr>
+        <p:txBody>
+          <a:bodyPr/>
+          <a:lstStyle/>
+          <a:p>
+            <a:r>
+              <a:rPr lang="en-US" dirty="0"/>
+              <a:t>Environmental Variables</a:t>
+            </a:r>
+          </a:p>
+        </p:txBody>
+      </p:sp>
+      <p:sp>
+        <p:nvSpPr>
+          <p:cNvPr id="11" name="Content Placeholder 2">
+            <a:extLst>
+              <a:ext uri="{FF2B5EF4-FFF2-40B4-BE49-F238E27FC236}">
+                <a16:creationId xmlns:a16="http://schemas.microsoft.com/office/drawing/2014/main" id="{45CF9172-EF6D-4A0F-B38D-38FB7C14BC10}"/>
+              </a:ext>
+            </a:extLst>
+          </p:cNvPr>
+          <p:cNvSpPr txBox="1">
+            <a:spLocks/>
+          </p:cNvSpPr>
+          <p:nvPr/>
+        </p:nvSpPr>
+        <p:spPr>
+          <a:xfrm>
+            <a:off x="1261872" y="3419475"/>
+            <a:ext cx="8595360" cy="2903537"/>
+          </a:xfrm>
+          <a:prstGeom prst="rect">
+            <a:avLst/>
+          </a:prstGeom>
+        </p:spPr>
+        <p:txBody>
+          <a:bodyPr vert="horz" lIns="91440" tIns="45720" rIns="91440" bIns="45720" rtlCol="0">
+            <a:normAutofit/>
+          </a:bodyPr>
+          <a:lstStyle>
+            <a:lvl1pPr marL="182880" indent="-182880" algn="l" defTabSz="914400" rtl="0" eaLnBrk="1" latinLnBrk="0" hangingPunct="1">
+              <a:lnSpc>
+                <a:spcPct val="95000"/>
+              </a:lnSpc>
+              <a:spcBef>
+                <a:spcPts val="1400"/>
+              </a:spcBef>
+              <a:spcAft>
+                <a:spcPts val="200"/>
+              </a:spcAft>
+              <a:buClr>
+                <a:schemeClr val="accent1"/>
+              </a:buClr>
+              <a:buSzPct val="80000"/>
+              <a:buFont typeface="Arial" pitchFamily="34" charset="0"/>
+              <a:buChar char="•"/>
+              <a:defRPr sz="1800" kern="1200" spc="10" baseline="0">
+                <a:solidFill>
+                  <a:schemeClr val="tx1"/>
+                </a:solidFill>
+                <a:latin typeface="+mn-lt"/>
+                <a:ea typeface="+mn-ea"/>
+                <a:cs typeface="+mn-cs"/>
+              </a:defRPr>
+            </a:lvl1pPr>
+            <a:lvl2pPr marL="457200" indent="-182880" algn="l" defTabSz="914400" rtl="0" eaLnBrk="1" latinLnBrk="0" hangingPunct="1">
+              <a:lnSpc>
+                <a:spcPct val="90000"/>
+              </a:lnSpc>
+              <a:spcBef>
+                <a:spcPts val="300"/>
+              </a:spcBef>
+              <a:spcAft>
+                <a:spcPts val="300"/>
+              </a:spcAft>
+              <a:buClr>
+                <a:schemeClr val="accent1"/>
+              </a:buClr>
+              <a:buFont typeface="Wingdings 2" pitchFamily="18" charset="2"/>
+              <a:buChar char=""/>
+              <a:defRPr sz="1600" kern="1200">
+                <a:solidFill>
+                  <a:schemeClr val="tx1">
+                    <a:lumMod val="85000"/>
+                    <a:lumOff val="15000"/>
+                  </a:schemeClr>
+                </a:solidFill>
+                <a:latin typeface="+mn-lt"/>
+                <a:ea typeface="+mn-ea"/>
+                <a:cs typeface="+mn-cs"/>
+              </a:defRPr>
+            </a:lvl2pPr>
+            <a:lvl3pPr marL="731520" indent="-182880" algn="l" defTabSz="914400" rtl="0" eaLnBrk="1" latinLnBrk="0" hangingPunct="1">
+              <a:lnSpc>
+                <a:spcPct val="90000"/>
+              </a:lnSpc>
+              <a:spcBef>
+                <a:spcPts val="300"/>
+              </a:spcBef>
+              <a:spcAft>
+                <a:spcPts val="300"/>
+              </a:spcAft>
+              <a:buClr>
+                <a:schemeClr val="accent1"/>
+              </a:buClr>
+              <a:buFont typeface="Wingdings 2" pitchFamily="18" charset="2"/>
+              <a:buChar char=""/>
+              <a:defRPr sz="1400" kern="1200">
+                <a:solidFill>
+                  <a:schemeClr val="tx1">
+                    <a:lumMod val="85000"/>
+                    <a:lumOff val="15000"/>
+                  </a:schemeClr>
+                </a:solidFill>
+                <a:latin typeface="+mn-lt"/>
+                <a:ea typeface="+mn-ea"/>
+                <a:cs typeface="+mn-cs"/>
+              </a:defRPr>
+            </a:lvl3pPr>
+            <a:lvl4pPr marL="1005840" indent="-182880" algn="l" defTabSz="914400" rtl="0" eaLnBrk="1" latinLnBrk="0" hangingPunct="1">
+              <a:lnSpc>
+                <a:spcPct val="90000"/>
+              </a:lnSpc>
+              <a:spcBef>
+                <a:spcPts val="300"/>
+              </a:spcBef>
+              <a:spcAft>
+                <a:spcPts val="300"/>
+              </a:spcAft>
+              <a:buClr>
+                <a:schemeClr val="accent1"/>
+              </a:buClr>
+              <a:buFont typeface="Wingdings 2" pitchFamily="18" charset="2"/>
+              <a:buChar char=""/>
+              <a:defRPr sz="1400" kern="1200">
+                <a:solidFill>
+                  <a:schemeClr val="tx1">
+                    <a:lumMod val="85000"/>
+                    <a:lumOff val="15000"/>
+                  </a:schemeClr>
+                </a:solidFill>
+                <a:latin typeface="+mn-lt"/>
+                <a:ea typeface="+mn-ea"/>
+                <a:cs typeface="+mn-cs"/>
+              </a:defRPr>
+            </a:lvl4pPr>
+            <a:lvl5pPr marL="1280160" indent="-182880" algn="l" defTabSz="914400" rtl="0" eaLnBrk="1" latinLnBrk="0" hangingPunct="1">
+              <a:lnSpc>
+                <a:spcPct val="90000"/>
+              </a:lnSpc>
+              <a:spcBef>
+                <a:spcPts val="300"/>
+              </a:spcBef>
+              <a:spcAft>
+                <a:spcPts val="300"/>
+              </a:spcAft>
+              <a:buClr>
+                <a:schemeClr val="accent1"/>
+              </a:buClr>
+              <a:buFont typeface="Wingdings 2" pitchFamily="18" charset="2"/>
+              <a:buChar char=""/>
+              <a:defRPr sz="1400" kern="1200">
+                <a:solidFill>
+                  <a:schemeClr val="tx1">
+                    <a:lumMod val="85000"/>
+                    <a:lumOff val="15000"/>
+                  </a:schemeClr>
+                </a:solidFill>
+                <a:latin typeface="+mn-lt"/>
+                <a:ea typeface="+mn-ea"/>
+                <a:cs typeface="+mn-cs"/>
+              </a:defRPr>
+            </a:lvl5pPr>
+            <a:lvl6pPr marL="1600000" indent="-228600" algn="l" defTabSz="914400" rtl="0" eaLnBrk="1" latinLnBrk="0" hangingPunct="1">
+              <a:lnSpc>
+                <a:spcPct val="90000"/>
+              </a:lnSpc>
+              <a:spcBef>
+                <a:spcPts val="300"/>
+              </a:spcBef>
+              <a:spcAft>
+                <a:spcPts val="300"/>
+              </a:spcAft>
+              <a:buClr>
+                <a:schemeClr val="accent1"/>
+              </a:buClr>
+              <a:buFont typeface="Wingdings 2" pitchFamily="18" charset="2"/>
+              <a:buChar char=""/>
+              <a:defRPr sz="1400" kern="1200">
+                <a:solidFill>
+                  <a:schemeClr val="tx1">
+                    <a:lumMod val="85000"/>
+                    <a:lumOff val="15000"/>
+                  </a:schemeClr>
+                </a:solidFill>
+                <a:latin typeface="+mn-lt"/>
+                <a:ea typeface="+mn-ea"/>
+                <a:cs typeface="+mn-cs"/>
+              </a:defRPr>
+            </a:lvl6pPr>
+            <a:lvl7pPr marL="1900000" indent="-228600" algn="l" defTabSz="914400" rtl="0" eaLnBrk="1" latinLnBrk="0" hangingPunct="1">
+              <a:lnSpc>
+                <a:spcPct val="90000"/>
+              </a:lnSpc>
+              <a:spcBef>
+                <a:spcPts val="300"/>
+              </a:spcBef>
+              <a:spcAft>
+                <a:spcPts val="300"/>
+              </a:spcAft>
+              <a:buClr>
+                <a:schemeClr val="accent1"/>
+              </a:buClr>
+              <a:buFont typeface="Wingdings 2" pitchFamily="18" charset="2"/>
+              <a:buChar char=""/>
+              <a:defRPr sz="1400" kern="1200">
+                <a:solidFill>
+                  <a:schemeClr val="tx1">
+                    <a:lumMod val="85000"/>
+                    <a:lumOff val="15000"/>
+                  </a:schemeClr>
+                </a:solidFill>
+                <a:latin typeface="+mn-lt"/>
+                <a:ea typeface="+mn-ea"/>
+                <a:cs typeface="+mn-cs"/>
+              </a:defRPr>
+            </a:lvl7pPr>
+            <a:lvl8pPr marL="2200000" indent="-228600" algn="l" defTabSz="914400" rtl="0" eaLnBrk="1" latinLnBrk="0" hangingPunct="1">
+              <a:lnSpc>
+                <a:spcPct val="90000"/>
+              </a:lnSpc>
+              <a:spcBef>
+                <a:spcPts val="300"/>
+              </a:spcBef>
+              <a:spcAft>
+                <a:spcPts val="300"/>
+              </a:spcAft>
+              <a:buClr>
+                <a:schemeClr val="accent1"/>
+              </a:buClr>
+              <a:buFont typeface="Wingdings 2" pitchFamily="18" charset="2"/>
+              <a:buChar char=""/>
+              <a:defRPr sz="1400" kern="1200">
+                <a:solidFill>
+                  <a:schemeClr val="tx1">
+                    <a:lumMod val="85000"/>
+                    <a:lumOff val="15000"/>
+                  </a:schemeClr>
+                </a:solidFill>
+                <a:latin typeface="+mn-lt"/>
+                <a:ea typeface="+mn-ea"/>
+                <a:cs typeface="+mn-cs"/>
+              </a:defRPr>
+            </a:lvl8pPr>
+            <a:lvl9pPr marL="2500000" indent="-228600" algn="l" defTabSz="914400" rtl="0" eaLnBrk="1" latinLnBrk="0" hangingPunct="1">
+              <a:lnSpc>
+                <a:spcPct val="90000"/>
+              </a:lnSpc>
+              <a:spcBef>
+                <a:spcPts val="300"/>
+              </a:spcBef>
+              <a:spcAft>
+                <a:spcPts val="300"/>
+              </a:spcAft>
+              <a:buClr>
+                <a:schemeClr val="accent1"/>
+              </a:buClr>
+              <a:buFont typeface="Wingdings 2" pitchFamily="18" charset="2"/>
+              <a:buChar char=""/>
+              <a:defRPr sz="1400" kern="1200">
+                <a:solidFill>
+                  <a:schemeClr val="tx1">
+                    <a:lumMod val="85000"/>
+                    <a:lumOff val="15000"/>
+                  </a:schemeClr>
+                </a:solidFill>
+                <a:latin typeface="+mn-lt"/>
+                <a:ea typeface="+mn-ea"/>
+                <a:cs typeface="+mn-cs"/>
+              </a:defRPr>
+            </a:lvl9pPr>
+          </a:lstStyle>
+          <a:p>
+            <a:endParaRPr lang="en-US" dirty="0"/>
+          </a:p>
+          <a:p>
+            <a:r>
+              <a:rPr lang="en-US" dirty="0"/>
+              <a:t>Tokens to add in can are listed here:</a:t>
+            </a:r>
+          </a:p>
+          <a:p>
+            <a:r>
+              <a:rPr lang="en-US" dirty="0">
+                <a:hlinkClick r:id="rId2"/>
+              </a:rPr>
+              <a:t>https://www.shinyapps.io/admin/#/tokens</a:t>
+            </a:r>
+            <a:endParaRPr lang="en-US" dirty="0"/>
+          </a:p>
+          <a:p>
+            <a:r>
+              <a:rPr lang="en-US" dirty="0"/>
+              <a:t>(Not shown here for privacy reasons but refer to the previous slide and the deploy script after clicking show and show secret on this webpage.)</a:t>
+            </a:r>
+          </a:p>
+        </p:txBody>
+      </p:sp>
+      <p:pic>
+        <p:nvPicPr>
+          <p:cNvPr id="6" name="Picture 5">
+            <a:extLst>
+              <a:ext uri="{FF2B5EF4-FFF2-40B4-BE49-F238E27FC236}">
+                <a16:creationId xmlns:a16="http://schemas.microsoft.com/office/drawing/2014/main" id="{1A5CAFA5-D8F8-48E6-95BE-3E92E4E45AE7}"/>
+              </a:ext>
+            </a:extLst>
+          </p:cNvPr>
+          <p:cNvPicPr>
+            <a:picLocks noChangeAspect="1"/>
+          </p:cNvPicPr>
+          <p:nvPr/>
+        </p:nvPicPr>
+        <p:blipFill>
+          <a:blip r:embed="rId3"/>
+          <a:stretch>
+            <a:fillRect/>
+          </a:stretch>
+        </p:blipFill>
+        <p:spPr>
+          <a:xfrm>
+            <a:off x="1261872" y="5472909"/>
+            <a:ext cx="4840644" cy="1322947"/>
+          </a:xfrm>
+          <a:prstGeom prst="rect">
+            <a:avLst/>
+          </a:prstGeom>
+        </p:spPr>
+      </p:pic>
+    </p:spTree>
+    <p:extLst>
+      <p:ext uri="{BB962C8B-B14F-4D97-AF65-F5344CB8AC3E}">
+        <p14:creationId xmlns:p14="http://schemas.microsoft.com/office/powerpoint/2010/main" val="1509340483"/>
+      </p:ext>
+    </p:extLst>
+  </p:cSld>
+  <p:clrMapOvr>
+    <a:masterClrMapping/>
+  </p:clrMapOvr>
+</p:sld>
+</file>
+
+<file path=ppt/slides/slide22.xml><?xml version="1.0" encoding="utf-8"?>
+<p:sld xmlns:a="http://schemas.openxmlformats.org/drawingml/2006/main" xmlns:r="http://schemas.openxmlformats.org/officeDocument/2006/relationships" xmlns:p="http://schemas.openxmlformats.org/presentationml/2006/main">
+  <p:cSld>
+    <p:bg>
+      <p:bgPr>
+        <a:solidFill>
+          <a:schemeClr val="bg1"/>
+        </a:solidFill>
+        <a:effectLst/>
+      </p:bgPr>
+    </p:bg>
+    <p:spTree>
+      <p:nvGrpSpPr>
+        <p:cNvPr id="1" name=""/>
+        <p:cNvGrpSpPr/>
+        <p:nvPr/>
+      </p:nvGrpSpPr>
+      <p:grpSpPr>
+        <a:xfrm>
+          <a:off x="0" y="0"/>
+          <a:ext cx="0" cy="0"/>
+          <a:chOff x="0" y="0"/>
+          <a:chExt cx="0" cy="0"/>
+        </a:xfrm>
+      </p:grpSpPr>
+      <p:sp useBgFill="1">
+        <p:nvSpPr>
+          <p:cNvPr id="10" name="Rectangle 9">
+            <a:extLst>
+              <a:ext uri="{FF2B5EF4-FFF2-40B4-BE49-F238E27FC236}">
+                <a16:creationId xmlns:a16="http://schemas.microsoft.com/office/drawing/2014/main" id="{EFB0C39A-F8CA-4A79-AFFC-E9780FB1991A}"/>
+              </a:ext>
+              <a:ext uri="{C183D7F6-B498-43B3-948B-1728B52AA6E4}">
+                <adec:decorative xmlns:adec="http://schemas.microsoft.com/office/drawing/2017/decorative" val="1"/>
+              </a:ext>
+            </a:extLst>
+          </p:cNvPr>
+          <p:cNvSpPr>
+            <a:spLocks noGrp="1" noRot="1" noChangeAspect="1" noMove="1" noResize="1" noEditPoints="1" noAdjustHandles="1" noChangeArrowheads="1" noChangeShapeType="1" noTextEdit="1"/>
+          </p:cNvSpPr>
+          <p:nvPr>
+            <p:extLst>
+              <p:ext uri="{386F3935-93C4-4BCD-93E2-E3B085C9AB24}">
+                <p16:designElem xmlns:p16="http://schemas.microsoft.com/office/powerpoint/2015/main" val="1"/>
+              </p:ext>
+            </p:extLst>
+          </p:nvPr>
+        </p:nvSpPr>
+        <p:spPr>
+          <a:xfrm>
+            <a:off x="0" y="-1"/>
+            <a:ext cx="12192000" cy="6858001"/>
+          </a:xfrm>
+          <a:prstGeom prst="rect">
+            <a:avLst/>
+          </a:prstGeom>
+          <a:ln>
+            <a:noFill/>
+          </a:ln>
+        </p:spPr>
+        <p:style>
+          <a:lnRef idx="2">
+            <a:schemeClr val="accent1">
+              <a:shade val="50000"/>
+            </a:schemeClr>
+          </a:lnRef>
+          <a:fillRef idx="1">
+            <a:schemeClr val="accent1"/>
+          </a:fillRef>
+          <a:effectRef idx="0">
+            <a:schemeClr val="accent1"/>
+          </a:effectRef>
+          <a:fontRef idx="minor">
+            <a:schemeClr val="lt1"/>
+          </a:fontRef>
+        </p:style>
+        <p:txBody>
+          <a:bodyPr rtlCol="0" anchor="ctr"/>
+          <a:lstStyle/>
+          <a:p>
+            <a:pPr algn="ctr"/>
+            <a:endParaRPr lang="en-US"/>
+          </a:p>
+        </p:txBody>
+      </p:sp>
+      <p:pic>
+        <p:nvPicPr>
+          <p:cNvPr id="6" name="Picture 5">
+            <a:extLst>
+              <a:ext uri="{FF2B5EF4-FFF2-40B4-BE49-F238E27FC236}">
+                <a16:creationId xmlns:a16="http://schemas.microsoft.com/office/drawing/2014/main" id="{49AF10CF-846D-4E89-92C1-8A6E072AD815}"/>
+              </a:ext>
+            </a:extLst>
+          </p:cNvPr>
+          <p:cNvPicPr>
+            <a:picLocks noChangeAspect="1"/>
+          </p:cNvPicPr>
+          <p:nvPr/>
+        </p:nvPicPr>
+        <p:blipFill rotWithShape="1">
+          <a:blip r:embed="rId2">
+            <a:alphaModFix amt="35000"/>
+          </a:blip>
+          <a:srcRect t="7787"/>
+          <a:stretch/>
+        </p:blipFill>
+        <p:spPr>
+          <a:xfrm>
+            <a:off x="20" y="-2"/>
+            <a:ext cx="12191980" cy="6858000"/>
+          </a:xfrm>
+          <a:prstGeom prst="rect">
+            <a:avLst/>
+          </a:prstGeom>
+        </p:spPr>
+      </p:pic>
+      <p:sp>
+        <p:nvSpPr>
+          <p:cNvPr id="2" name="Title 1">
+            <a:extLst>
+              <a:ext uri="{FF2B5EF4-FFF2-40B4-BE49-F238E27FC236}">
+                <a16:creationId xmlns:a16="http://schemas.microsoft.com/office/drawing/2014/main" id="{AEEE426B-A8B8-49DE-873F-D713D0E601DB}"/>
+              </a:ext>
+            </a:extLst>
+          </p:cNvPr>
+          <p:cNvSpPr>
+            <a:spLocks noGrp="1"/>
+          </p:cNvSpPr>
+          <p:nvPr>
+            <p:ph type="ctrTitle"/>
+          </p:nvPr>
+        </p:nvSpPr>
+        <p:spPr>
+          <a:xfrm>
+            <a:off x="1261872" y="758952"/>
+            <a:ext cx="9418320" cy="4041648"/>
+          </a:xfrm>
+        </p:spPr>
+        <p:txBody>
+          <a:bodyPr>
+            <a:normAutofit/>
+          </a:bodyPr>
+          <a:lstStyle/>
+          <a:p>
+            <a:r>
+              <a:rPr lang="en-US"/>
+              <a:t>Questions?</a:t>
+            </a:r>
+            <a:endParaRPr lang="en-US" dirty="0"/>
+          </a:p>
+        </p:txBody>
+      </p:sp>
+      <p:sp>
+        <p:nvSpPr>
+          <p:cNvPr id="12" name="Rectangle 11">
+            <a:extLst>
+              <a:ext uri="{FF2B5EF4-FFF2-40B4-BE49-F238E27FC236}">
+                <a16:creationId xmlns:a16="http://schemas.microsoft.com/office/drawing/2014/main" id="{948C6639-F651-4D15-A695-E9D03BB2AEDE}"/>
+              </a:ext>
+              <a:ext uri="{C183D7F6-B498-43B3-948B-1728B52AA6E4}">
+                <adec:decorative xmlns:adec="http://schemas.microsoft.com/office/drawing/2017/decorative" val="1"/>
+              </a:ext>
+            </a:extLst>
+          </p:cNvPr>
+          <p:cNvSpPr>
+            <a:spLocks noGrp="1" noRot="1" noChangeAspect="1" noMove="1" noResize="1" noEditPoints="1" noAdjustHandles="1" noChangeArrowheads="1" noChangeShapeType="1" noTextEdit="1"/>
+          </p:cNvSpPr>
+          <p:nvPr>
+            <p:extLst>
+              <p:ext uri="{386F3935-93C4-4BCD-93E2-E3B085C9AB24}">
+                <p16:designElem xmlns:p16="http://schemas.microsoft.com/office/powerpoint/2015/main" val="1"/>
+              </p:ext>
+            </p:extLst>
+          </p:nvPr>
+        </p:nvSpPr>
+        <p:spPr>
+          <a:xfrm>
+            <a:off x="2351" y="0"/>
+            <a:ext cx="457200" cy="6858000"/>
+          </a:xfrm>
+          <a:prstGeom prst="rect">
+            <a:avLst/>
+          </a:prstGeom>
+          <a:solidFill>
+            <a:srgbClr val="303030">
+              <a:alpha val="80000"/>
+            </a:srgbClr>
+          </a:solidFill>
+          <a:ln>
+            <a:noFill/>
+          </a:ln>
+        </p:spPr>
+        <p:style>
+          <a:lnRef idx="2">
+            <a:schemeClr val="accent1">
+              <a:shade val="50000"/>
+            </a:schemeClr>
+          </a:lnRef>
+          <a:fillRef idx="1">
+            <a:schemeClr val="accent1"/>
+          </a:fillRef>
+          <a:effectRef idx="0">
+            <a:schemeClr val="accent1"/>
+          </a:effectRef>
+          <a:fontRef idx="minor">
+            <a:schemeClr val="lt1"/>
+          </a:fontRef>
+        </p:style>
+      </p:sp>
+      <p:sp>
+        <p:nvSpPr>
+          <p:cNvPr id="14" name="Rectangle 13">
+            <a:extLst>
+              <a:ext uri="{FF2B5EF4-FFF2-40B4-BE49-F238E27FC236}">
+                <a16:creationId xmlns:a16="http://schemas.microsoft.com/office/drawing/2014/main" id="{F8C1B9D8-212A-444E-B28D-25DA596183C9}"/>
+              </a:ext>
+              <a:ext uri="{C183D7F6-B498-43B3-948B-1728B52AA6E4}">
+                <adec:decorative xmlns:adec="http://schemas.microsoft.com/office/drawing/2017/decorative" val="1"/>
+              </a:ext>
+            </a:extLst>
+          </p:cNvPr>
+          <p:cNvSpPr>
+            <a:spLocks noGrp="1" noRot="1" noChangeAspect="1" noMove="1" noResize="1" noEditPoints="1" noAdjustHandles="1" noChangeArrowheads="1" noChangeShapeType="1" noTextEdit="1"/>
+          </p:cNvSpPr>
+          <p:nvPr>
+            <p:extLst>
+              <p:ext uri="{386F3935-93C4-4BCD-93E2-E3B085C9AB24}">
+                <p16:designElem xmlns:p16="http://schemas.microsoft.com/office/powerpoint/2015/main" val="1"/>
+              </p:ext>
+            </p:extLst>
+          </p:nvPr>
+        </p:nvSpPr>
+        <p:spPr>
+          <a:xfrm>
+            <a:off x="11292840" y="0"/>
+            <a:ext cx="914400" cy="6858000"/>
+          </a:xfrm>
+          <a:prstGeom prst="rect">
+            <a:avLst/>
+          </a:prstGeom>
+          <a:solidFill>
+            <a:srgbClr val="303030">
+              <a:alpha val="90000"/>
+            </a:srgbClr>
+          </a:solidFill>
+          <a:ln>
+            <a:noFill/>
+          </a:ln>
+        </p:spPr>
+        <p:style>
+          <a:lnRef idx="2">
+            <a:schemeClr val="accent1">
+              <a:shade val="50000"/>
+            </a:schemeClr>
+          </a:lnRef>
+          <a:fillRef idx="1">
+            <a:schemeClr val="accent1"/>
+          </a:fillRef>
+          <a:effectRef idx="0">
+            <a:schemeClr val="accent1"/>
+          </a:effectRef>
+          <a:fontRef idx="minor">
+            <a:schemeClr val="lt1"/>
+          </a:fontRef>
+        </p:style>
+      </p:sp>
+    </p:spTree>
+    <p:extLst>
+      <p:ext uri="{BB962C8B-B14F-4D97-AF65-F5344CB8AC3E}">
+        <p14:creationId xmlns:p14="http://schemas.microsoft.com/office/powerpoint/2010/main" val="88618370"/>
+      </p:ext>
+    </p:extLst>
+  </p:cSld>
+  <p:clrMapOvr>
+    <a:masterClrMapping/>
+  </p:clrMapOvr>
+</p:sld>
+</file>
+
 <file path=ppt/slides/slide3.xml><?xml version="1.0" encoding="utf-8"?>
 <p:sld xmlns:a="http://schemas.openxmlformats.org/drawingml/2006/main" xmlns:r="http://schemas.openxmlformats.org/officeDocument/2006/relationships" xmlns:p="http://schemas.openxmlformats.org/presentationml/2006/main">
   <p:cSld>
+    <p:bg>
+      <p:bgPr>
+        <a:solidFill>
+          <a:schemeClr val="bg1"/>
+        </a:solidFill>
+        <a:effectLst/>
+      </p:bgPr>
+    </p:bg>
     <p:spTree>
       <p:nvGrpSpPr>
         <p:cNvPr id="1" name=""/>
@@ -19921,14 +22448,21 @@
             <p:ph type="title"/>
           </p:nvPr>
         </p:nvSpPr>
-        <p:spPr/>
+        <p:spPr>
+          <a:xfrm>
+            <a:off x="1261872" y="365760"/>
+            <a:ext cx="9692640" cy="1325562"/>
+          </a:xfrm>
+        </p:spPr>
         <p:txBody>
-          <a:bodyPr/>
+          <a:bodyPr>
+            <a:normAutofit/>
+          </a:bodyPr>
           <a:lstStyle/>
           <a:p>
             <a:r>
               <a:rPr lang="en-US" dirty="0"/>
-              <a:t>Introduction to Shiny [Logo?]</a:t>
+              <a:t>Introduction to Shiny</a:t>
             </a:r>
           </a:p>
         </p:txBody>
@@ -19949,9 +22483,16 @@
             <p:ph idx="1"/>
           </p:nvPr>
         </p:nvSpPr>
-        <p:spPr/>
+        <p:spPr>
+          <a:xfrm>
+            <a:off x="1261872" y="1828800"/>
+            <a:ext cx="4401509" cy="4351337"/>
+          </a:xfrm>
+        </p:spPr>
         <p:txBody>
-          <a:bodyPr/>
+          <a:bodyPr>
+            <a:normAutofit/>
+          </a:bodyPr>
           <a:lstStyle/>
           <a:p>
             <a:r>
@@ -19988,11 +22529,55 @@
           <a:p>
             <a:r>
               <a:rPr lang="en-US" dirty="0"/>
-              <a:t>Example below. </a:t>
+              <a:t>Example: </a:t>
             </a:r>
           </a:p>
         </p:txBody>
       </p:sp>
+      <p:pic>
+        <p:nvPicPr>
+          <p:cNvPr id="5" name="Picture 4">
+            <a:extLst>
+              <a:ext uri="{FF2B5EF4-FFF2-40B4-BE49-F238E27FC236}">
+                <a16:creationId xmlns:a16="http://schemas.microsoft.com/office/drawing/2014/main" id="{9394A5F7-B630-4210-9035-BF25197B7E0F}"/>
+              </a:ext>
+            </a:extLst>
+          </p:cNvPr>
+          <p:cNvPicPr>
+            <a:picLocks noChangeAspect="1"/>
+          </p:cNvPicPr>
+          <p:nvPr/>
+        </p:nvPicPr>
+        <p:blipFill rotWithShape="1">
+          <a:blip r:embed="rId2">
+            <a:extLst>
+              <a:ext uri="{BEBA8EAE-BF5A-486C-A8C5-ECC9F3942E4B}">
+                <a14:imgProps xmlns:a14="http://schemas.microsoft.com/office/drawing/2010/main">
+                  <a14:imgLayer r:embed="rId3">
+                    <a14:imgEffect>
+                      <a14:backgroundRemoval t="6383" b="92021" l="9970" r="89930">
+                        <a14:foregroundMark x1="49849" y1="6383" x2="49849" y2="6383"/>
+                        <a14:foregroundMark x1="49849" y1="92021" x2="49849" y2="92021"/>
+                      </a14:backgroundRemoval>
+                    </a14:imgEffect>
+                  </a14:imgLayer>
+                </a14:imgProps>
+              </a:ext>
+            </a:extLst>
+          </a:blip>
+          <a:srcRect l="35006" r="35141"/>
+          <a:stretch/>
+        </p:blipFill>
+        <p:spPr>
+          <a:xfrm>
+            <a:off x="7060423" y="1933575"/>
+            <a:ext cx="2878439" cy="3639872"/>
+          </a:xfrm>
+          <a:prstGeom prst="rect">
+            <a:avLst/>
+          </a:prstGeom>
+        </p:spPr>
+      </p:pic>
     </p:spTree>
     <p:extLst>
       <p:ext uri="{BB962C8B-B14F-4D97-AF65-F5344CB8AC3E}">
@@ -20422,14 +23007,6 @@
 <file path=ppt/slides/slide6.xml><?xml version="1.0" encoding="utf-8"?>
 <p:sld xmlns:a="http://schemas.openxmlformats.org/drawingml/2006/main" xmlns:r="http://schemas.openxmlformats.org/officeDocument/2006/relationships" xmlns:p="http://schemas.openxmlformats.org/presentationml/2006/main">
   <p:cSld>
-    <p:bg>
-      <p:bgPr>
-        <a:solidFill>
-          <a:schemeClr val="bg1"/>
-        </a:solidFill>
-        <a:effectLst/>
-      </p:bgPr>
-    </p:bg>
     <p:spTree>
       <p:nvGrpSpPr>
         <p:cNvPr id="1" name=""/>
@@ -20446,71 +23023,10 @@
       </p:grpSpPr>
       <p:sp>
         <p:nvSpPr>
-          <p:cNvPr id="16" name="Rectangle 9">
-            <a:extLst>
-              <a:ext uri="{FF2B5EF4-FFF2-40B4-BE49-F238E27FC236}">
-                <a16:creationId xmlns:a16="http://schemas.microsoft.com/office/drawing/2014/main" id="{30B3D270-B19D-4DB8-BD3C-3E707485B515}"/>
-              </a:ext>
-              <a:ext uri="{C183D7F6-B498-43B3-948B-1728B52AA6E4}">
-                <adec:decorative xmlns:adec="http://schemas.microsoft.com/office/drawing/2017/decorative" val="1"/>
-              </a:ext>
-            </a:extLst>
-          </p:cNvPr>
-          <p:cNvSpPr>
-            <a:spLocks noGrp="1" noRot="1" noChangeAspect="1" noMove="1" noResize="1" noEditPoints="1" noAdjustHandles="1" noChangeArrowheads="1" noChangeShapeType="1" noTextEdit="1"/>
-          </p:cNvSpPr>
-          <p:nvPr>
-            <p:extLst>
-              <p:ext uri="{386F3935-93C4-4BCD-93E2-E3B085C9AB24}">
-                <p16:designElem xmlns:p16="http://schemas.microsoft.com/office/powerpoint/2015/main" val="1"/>
-              </p:ext>
-            </p:extLst>
-          </p:nvPr>
-        </p:nvSpPr>
-        <p:spPr>
-          <a:xfrm>
-            <a:off x="1" y="0"/>
-            <a:ext cx="4055416" cy="6858000"/>
-          </a:xfrm>
-          <a:prstGeom prst="rect">
-            <a:avLst/>
-          </a:prstGeom>
-          <a:solidFill>
-            <a:schemeClr val="accent1"/>
-          </a:solidFill>
-          <a:ln>
-            <a:noFill/>
-          </a:ln>
-        </p:spPr>
-        <p:style>
-          <a:lnRef idx="0">
-            <a:scrgbClr r="0" g="0" b="0"/>
-          </a:lnRef>
-          <a:fillRef idx="0">
-            <a:scrgbClr r="0" g="0" b="0"/>
-          </a:fillRef>
-          <a:effectRef idx="0">
-            <a:scrgbClr r="0" g="0" b="0"/>
-          </a:effectRef>
-          <a:fontRef idx="minor">
-            <a:schemeClr val="lt1"/>
-          </a:fontRef>
-        </p:style>
-        <p:txBody>
-          <a:bodyPr rtlCol="0" anchor="ctr"/>
-          <a:lstStyle/>
-          <a:p>
-            <a:pPr algn="ctr"/>
-            <a:endParaRPr lang="en-US"/>
-          </a:p>
-        </p:txBody>
-      </p:sp>
-      <p:sp>
-        <p:nvSpPr>
           <p:cNvPr id="2" name="Title 1">
             <a:extLst>
               <a:ext uri="{FF2B5EF4-FFF2-40B4-BE49-F238E27FC236}">
-                <a16:creationId xmlns:a16="http://schemas.microsoft.com/office/drawing/2014/main" id="{DDEE9F0D-71AA-4EC6-9A35-DA710FD4B9A5}"/>
+                <a16:creationId xmlns:a16="http://schemas.microsoft.com/office/drawing/2014/main" id="{CC6B0FF6-C25B-4579-A2A3-123B649EC9F5}"/>
               </a:ext>
             </a:extLst>
           </p:cNvPr>
@@ -20521,121 +23037,47 @@
             <p:ph type="title"/>
           </p:nvPr>
         </p:nvSpPr>
-        <p:spPr>
-          <a:xfrm>
-            <a:off x="566058" y="836023"/>
-            <a:ext cx="2718788" cy="5183777"/>
-          </a:xfrm>
-        </p:spPr>
+        <p:spPr/>
         <p:txBody>
-          <a:bodyPr anchor="ctr">
-            <a:normAutofit/>
-          </a:bodyPr>
+          <a:bodyPr/>
           <a:lstStyle/>
           <a:p>
             <a:r>
-              <a:rPr lang="en-US" sz="3600" dirty="0">
-                <a:solidFill>
-                  <a:srgbClr val="FFFFFF"/>
-                </a:solidFill>
-              </a:rPr>
-              <a:t>Tips and Tricks #1 | CSS styling</a:t>
+              <a:rPr lang="en-US" dirty="0"/>
+              <a:t>With and Without </a:t>
             </a:r>
           </a:p>
         </p:txBody>
       </p:sp>
       <p:sp>
         <p:nvSpPr>
-          <p:cNvPr id="17" name="Rectangle 11">
+          <p:cNvPr id="3" name="Content Placeholder 2">
             <a:extLst>
               <a:ext uri="{FF2B5EF4-FFF2-40B4-BE49-F238E27FC236}">
-                <a16:creationId xmlns:a16="http://schemas.microsoft.com/office/drawing/2014/main" id="{49BDAF94-B52E-4307-B54C-EF413086FC77}"/>
-              </a:ext>
-              <a:ext uri="{C183D7F6-B498-43B3-948B-1728B52AA6E4}">
-                <adec:decorative xmlns:adec="http://schemas.microsoft.com/office/drawing/2017/decorative" val="1"/>
+                <a16:creationId xmlns:a16="http://schemas.microsoft.com/office/drawing/2014/main" id="{EC424FEA-2AF9-4589-8B89-B04873414EDF}"/>
               </a:ext>
             </a:extLst>
           </p:cNvPr>
           <p:cNvSpPr>
-            <a:spLocks noGrp="1" noRot="1" noChangeAspect="1" noMove="1" noResize="1" noEditPoints="1" noAdjustHandles="1" noChangeArrowheads="1" noChangeShapeType="1" noTextEdit="1"/>
+            <a:spLocks noGrp="1"/>
           </p:cNvSpPr>
           <p:nvPr>
-            <p:extLst>
-              <p:ext uri="{386F3935-93C4-4BCD-93E2-E3B085C9AB24}">
-                <p16:designElem xmlns:p16="http://schemas.microsoft.com/office/powerpoint/2015/main" val="1"/>
-              </p:ext>
-            </p:extLst>
+            <p:ph idx="1"/>
           </p:nvPr>
         </p:nvSpPr>
-        <p:spPr>
-          <a:xfrm>
-            <a:off x="11292840" y="0"/>
-            <a:ext cx="914400" cy="6858000"/>
-          </a:xfrm>
-          <a:prstGeom prst="rect">
-            <a:avLst/>
-          </a:prstGeom>
-          <a:solidFill>
-            <a:schemeClr val="tx2">
-              <a:lumMod val="75000"/>
-            </a:schemeClr>
-          </a:solidFill>
-          <a:ln>
-            <a:noFill/>
-          </a:ln>
-        </p:spPr>
-        <p:style>
-          <a:lnRef idx="2">
-            <a:schemeClr val="accent1">
-              <a:shade val="50000"/>
-            </a:schemeClr>
-          </a:lnRef>
-          <a:fillRef idx="1">
-            <a:schemeClr val="accent1"/>
-          </a:fillRef>
-          <a:effectRef idx="0">
-            <a:schemeClr val="accent1"/>
-          </a:effectRef>
-          <a:fontRef idx="minor">
-            <a:schemeClr val="lt1"/>
-          </a:fontRef>
-        </p:style>
+        <p:spPr/>
+        <p:txBody>
+          <a:bodyPr/>
+          <a:lstStyle/>
+          <a:p>
+            <a:endParaRPr lang="en-US"/>
+          </a:p>
+        </p:txBody>
       </p:sp>
-      <p:graphicFrame>
-        <p:nvGraphicFramePr>
-          <p:cNvPr id="18" name="Content Placeholder 2">
-            <a:extLst>
-              <a:ext uri="{FF2B5EF4-FFF2-40B4-BE49-F238E27FC236}">
-                <a16:creationId xmlns:a16="http://schemas.microsoft.com/office/drawing/2014/main" id="{694AA9D8-5B9A-4A81-9B1B-9A64EC9BCD51}"/>
-              </a:ext>
-            </a:extLst>
-          </p:cNvPr>
-          <p:cNvGraphicFramePr>
-            <a:graphicFrameLocks noGrp="1"/>
-          </p:cNvGraphicFramePr>
-          <p:nvPr>
-            <p:ph idx="1"/>
-            <p:extLst>
-              <p:ext uri="{D42A27DB-BD31-4B8C-83A1-F6EECF244321}">
-                <p14:modId xmlns:p14="http://schemas.microsoft.com/office/powerpoint/2010/main" val="4112571924"/>
-              </p:ext>
-            </p:extLst>
-          </p:nvPr>
-        </p:nvGraphicFramePr>
-        <p:xfrm>
-          <a:off x="4658815" y="804672"/>
-          <a:ext cx="5990136" cy="5262054"/>
-        </p:xfrm>
-        <a:graphic>
-          <a:graphicData uri="http://schemas.openxmlformats.org/drawingml/2006/diagram">
-            <dgm:relIds xmlns:dgm="http://schemas.openxmlformats.org/drawingml/2006/diagram" xmlns:r="http://schemas.openxmlformats.org/officeDocument/2006/relationships" r:dm="rId2" r:lo="rId3" r:qs="rId4" r:cs="rId5"/>
-          </a:graphicData>
-        </a:graphic>
-      </p:graphicFrame>
     </p:spTree>
     <p:extLst>
       <p:ext uri="{BB962C8B-B14F-4D97-AF65-F5344CB8AC3E}">
-        <p14:creationId xmlns:p14="http://schemas.microsoft.com/office/powerpoint/2010/main" val="137205594"/>
+        <p14:creationId xmlns:p14="http://schemas.microsoft.com/office/powerpoint/2010/main" val="2514856164"/>
       </p:ext>
     </p:extLst>
   </p:cSld>
@@ -20841,6 +23283,11 @@
           </p:cNvGraphicFramePr>
           <p:nvPr>
             <p:ph idx="1"/>
+            <p:extLst>
+              <p:ext uri="{D42A27DB-BD31-4B8C-83A1-F6EECF244321}">
+                <p14:modId xmlns:p14="http://schemas.microsoft.com/office/powerpoint/2010/main" val="1041916681"/>
+              </p:ext>
+            </p:extLst>
           </p:nvPr>
         </p:nvGraphicFramePr>
         <p:xfrm>
@@ -20856,7 +23303,7 @@
     </p:spTree>
     <p:extLst>
       <p:ext uri="{BB962C8B-B14F-4D97-AF65-F5344CB8AC3E}">
-        <p14:creationId xmlns:p14="http://schemas.microsoft.com/office/powerpoint/2010/main" val="3343428498"/>
+        <p14:creationId xmlns:p14="http://schemas.microsoft.com/office/powerpoint/2010/main" val="137205594"/>
       </p:ext>
     </p:extLst>
   </p:cSld>
@@ -21062,6 +23509,11 @@
           </p:cNvGraphicFramePr>
           <p:nvPr>
             <p:ph idx="1"/>
+            <p:extLst>
+              <p:ext uri="{D42A27DB-BD31-4B8C-83A1-F6EECF244321}">
+                <p14:modId xmlns:p14="http://schemas.microsoft.com/office/powerpoint/2010/main" val="880915159"/>
+              </p:ext>
+            </p:extLst>
           </p:nvPr>
         </p:nvGraphicFramePr>
         <p:xfrm>
@@ -21077,7 +23529,7 @@
     </p:spTree>
     <p:extLst>
       <p:ext uri="{BB962C8B-B14F-4D97-AF65-F5344CB8AC3E}">
-        <p14:creationId xmlns:p14="http://schemas.microsoft.com/office/powerpoint/2010/main" val="3461639768"/>
+        <p14:creationId xmlns:p14="http://schemas.microsoft.com/office/powerpoint/2010/main" val="3343428498"/>
       </p:ext>
     </p:extLst>
   </p:cSld>
@@ -21283,6 +23735,11 @@
           </p:cNvGraphicFramePr>
           <p:nvPr>
             <p:ph idx="1"/>
+            <p:extLst>
+              <p:ext uri="{D42A27DB-BD31-4B8C-83A1-F6EECF244321}">
+                <p14:modId xmlns:p14="http://schemas.microsoft.com/office/powerpoint/2010/main" val="2496312951"/>
+              </p:ext>
+            </p:extLst>
           </p:nvPr>
         </p:nvGraphicFramePr>
         <p:xfrm>
@@ -21298,7 +23755,7 @@
     </p:spTree>
     <p:extLst>
       <p:ext uri="{BB962C8B-B14F-4D97-AF65-F5344CB8AC3E}">
-        <p14:creationId xmlns:p14="http://schemas.microsoft.com/office/powerpoint/2010/main" val="265236368"/>
+        <p14:creationId xmlns:p14="http://schemas.microsoft.com/office/powerpoint/2010/main" val="3461639768"/>
       </p:ext>
     </p:extLst>
   </p:cSld>
